--- a/HACKBD-presentation.pptx
+++ b/HACKBD-presentation.pptx
@@ -160,7 +160,7 @@
           </a:lstStyle>
           <a:p>
             <a:r>
-              <a:rPr lang="en-CA" smtClean="0"/>
+              <a:rPr lang="en-CA"/>
               <a:t>Click to edit Master title style</a:t>
             </a:r>
             <a:endParaRPr lang="en-US"/>
@@ -225,7 +225,7 @@
           </a:lstStyle>
           <a:p>
             <a:r>
-              <a:rPr lang="en-CA" smtClean="0"/>
+              <a:rPr lang="en-CA"/>
               <a:t>Click to edit Master subtitle style</a:t>
             </a:r>
             <a:endParaRPr lang="en-US"/>
@@ -249,7 +249,7 @@
           <a:p>
             <a:fld id="{4C5A60F0-2CE1-1148-B547-E1B4E7CB6218}" type="datetimeFigureOut">
               <a:rPr lang="en-US" smtClean="0"/>
-              <a:t>9/17/16</a:t>
+              <a:t>9/18/2016</a:t>
             </a:fld>
             <a:endParaRPr lang="en-US"/>
           </a:p>
@@ -343,7 +343,7 @@
           <a:lstStyle/>
           <a:p>
             <a:r>
-              <a:rPr lang="en-CA" smtClean="0"/>
+              <a:rPr lang="en-CA"/>
               <a:t>Click to edit Master title style</a:t>
             </a:r>
             <a:endParaRPr lang="en-US"/>
@@ -367,35 +367,35 @@
           <a:p>
             <a:pPr lvl="0"/>
             <a:r>
-              <a:rPr lang="en-CA" smtClean="0"/>
+              <a:rPr lang="en-CA"/>
               <a:t>Click to edit Master text styles</a:t>
             </a:r>
           </a:p>
           <a:p>
             <a:pPr lvl="1"/>
             <a:r>
-              <a:rPr lang="en-CA" smtClean="0"/>
+              <a:rPr lang="en-CA"/>
               <a:t>Second level</a:t>
             </a:r>
           </a:p>
           <a:p>
             <a:pPr lvl="2"/>
             <a:r>
-              <a:rPr lang="en-CA" smtClean="0"/>
+              <a:rPr lang="en-CA"/>
               <a:t>Third level</a:t>
             </a:r>
           </a:p>
           <a:p>
             <a:pPr lvl="3"/>
             <a:r>
-              <a:rPr lang="en-CA" smtClean="0"/>
+              <a:rPr lang="en-CA"/>
               <a:t>Fourth level</a:t>
             </a:r>
           </a:p>
           <a:p>
             <a:pPr lvl="4"/>
             <a:r>
-              <a:rPr lang="en-CA" smtClean="0"/>
+              <a:rPr lang="en-CA"/>
               <a:t>Fifth level</a:t>
             </a:r>
             <a:endParaRPr lang="en-US"/>
@@ -419,7 +419,7 @@
           <a:p>
             <a:fld id="{4C5A60F0-2CE1-1148-B547-E1B4E7CB6218}" type="datetimeFigureOut">
               <a:rPr lang="en-US" smtClean="0"/>
-              <a:t>9/17/16</a:t>
+              <a:t>9/18/2016</a:t>
             </a:fld>
             <a:endParaRPr lang="en-US"/>
           </a:p>
@@ -518,7 +518,7 @@
           <a:lstStyle/>
           <a:p>
             <a:r>
-              <a:rPr lang="en-CA" smtClean="0"/>
+              <a:rPr lang="en-CA"/>
               <a:t>Click to edit Master title style</a:t>
             </a:r>
             <a:endParaRPr lang="en-US"/>
@@ -547,35 +547,35 @@
           <a:p>
             <a:pPr lvl="0"/>
             <a:r>
-              <a:rPr lang="en-CA" smtClean="0"/>
+              <a:rPr lang="en-CA"/>
               <a:t>Click to edit Master text styles</a:t>
             </a:r>
           </a:p>
           <a:p>
             <a:pPr lvl="1"/>
             <a:r>
-              <a:rPr lang="en-CA" smtClean="0"/>
+              <a:rPr lang="en-CA"/>
               <a:t>Second level</a:t>
             </a:r>
           </a:p>
           <a:p>
             <a:pPr lvl="2"/>
             <a:r>
-              <a:rPr lang="en-CA" smtClean="0"/>
+              <a:rPr lang="en-CA"/>
               <a:t>Third level</a:t>
             </a:r>
           </a:p>
           <a:p>
             <a:pPr lvl="3"/>
             <a:r>
-              <a:rPr lang="en-CA" smtClean="0"/>
+              <a:rPr lang="en-CA"/>
               <a:t>Fourth level</a:t>
             </a:r>
           </a:p>
           <a:p>
             <a:pPr lvl="4"/>
             <a:r>
-              <a:rPr lang="en-CA" smtClean="0"/>
+              <a:rPr lang="en-CA"/>
               <a:t>Fifth level</a:t>
             </a:r>
             <a:endParaRPr lang="en-US"/>
@@ -599,7 +599,7 @@
           <a:p>
             <a:fld id="{4C5A60F0-2CE1-1148-B547-E1B4E7CB6218}" type="datetimeFigureOut">
               <a:rPr lang="en-US" smtClean="0"/>
-              <a:t>9/17/16</a:t>
+              <a:t>9/18/2016</a:t>
             </a:fld>
             <a:endParaRPr lang="en-US"/>
           </a:p>
@@ -693,7 +693,7 @@
           <a:lstStyle/>
           <a:p>
             <a:r>
-              <a:rPr lang="en-CA" smtClean="0"/>
+              <a:rPr lang="en-CA"/>
               <a:t>Click to edit Master title style</a:t>
             </a:r>
             <a:endParaRPr lang="en-US"/>
@@ -717,35 +717,35 @@
           <a:p>
             <a:pPr lvl="0"/>
             <a:r>
-              <a:rPr lang="en-CA" smtClean="0"/>
+              <a:rPr lang="en-CA"/>
               <a:t>Click to edit Master text styles</a:t>
             </a:r>
           </a:p>
           <a:p>
             <a:pPr lvl="1"/>
             <a:r>
-              <a:rPr lang="en-CA" smtClean="0"/>
+              <a:rPr lang="en-CA"/>
               <a:t>Second level</a:t>
             </a:r>
           </a:p>
           <a:p>
             <a:pPr lvl="2"/>
             <a:r>
-              <a:rPr lang="en-CA" smtClean="0"/>
+              <a:rPr lang="en-CA"/>
               <a:t>Third level</a:t>
             </a:r>
           </a:p>
           <a:p>
             <a:pPr lvl="3"/>
             <a:r>
-              <a:rPr lang="en-CA" smtClean="0"/>
+              <a:rPr lang="en-CA"/>
               <a:t>Fourth level</a:t>
             </a:r>
           </a:p>
           <a:p>
             <a:pPr lvl="4"/>
             <a:r>
-              <a:rPr lang="en-CA" smtClean="0"/>
+              <a:rPr lang="en-CA"/>
               <a:t>Fifth level</a:t>
             </a:r>
             <a:endParaRPr lang="en-US"/>
@@ -769,7 +769,7 @@
           <a:p>
             <a:fld id="{4C5A60F0-2CE1-1148-B547-E1B4E7CB6218}" type="datetimeFigureOut">
               <a:rPr lang="en-US" smtClean="0"/>
-              <a:t>9/17/16</a:t>
+              <a:t>9/18/2016</a:t>
             </a:fld>
             <a:endParaRPr lang="en-US"/>
           </a:p>
@@ -872,7 +872,7 @@
           </a:lstStyle>
           <a:p>
             <a:r>
-              <a:rPr lang="en-CA" smtClean="0"/>
+              <a:rPr lang="en-CA"/>
               <a:t>Click to edit Master title style</a:t>
             </a:r>
             <a:endParaRPr lang="en-US"/>
@@ -992,7 +992,7 @@
           <a:p>
             <a:pPr lvl="0"/>
             <a:r>
-              <a:rPr lang="en-CA" smtClean="0"/>
+              <a:rPr lang="en-CA"/>
               <a:t>Click to edit Master text styles</a:t>
             </a:r>
           </a:p>
@@ -1015,7 +1015,7 @@
           <a:p>
             <a:fld id="{4C5A60F0-2CE1-1148-B547-E1B4E7CB6218}" type="datetimeFigureOut">
               <a:rPr lang="en-US" smtClean="0"/>
-              <a:t>9/17/16</a:t>
+              <a:t>9/18/2016</a:t>
             </a:fld>
             <a:endParaRPr lang="en-US"/>
           </a:p>
@@ -1109,7 +1109,7 @@
           <a:lstStyle/>
           <a:p>
             <a:r>
-              <a:rPr lang="en-CA" smtClean="0"/>
+              <a:rPr lang="en-CA"/>
               <a:t>Click to edit Master title style</a:t>
             </a:r>
             <a:endParaRPr lang="en-US"/>
@@ -1138,35 +1138,35 @@
           <a:p>
             <a:pPr lvl="0"/>
             <a:r>
-              <a:rPr lang="en-CA" smtClean="0"/>
+              <a:rPr lang="en-CA"/>
               <a:t>Click to edit Master text styles</a:t>
             </a:r>
           </a:p>
           <a:p>
             <a:pPr lvl="1"/>
             <a:r>
-              <a:rPr lang="en-CA" smtClean="0"/>
+              <a:rPr lang="en-CA"/>
               <a:t>Second level</a:t>
             </a:r>
           </a:p>
           <a:p>
             <a:pPr lvl="2"/>
             <a:r>
-              <a:rPr lang="en-CA" smtClean="0"/>
+              <a:rPr lang="en-CA"/>
               <a:t>Third level</a:t>
             </a:r>
           </a:p>
           <a:p>
             <a:pPr lvl="3"/>
             <a:r>
-              <a:rPr lang="en-CA" smtClean="0"/>
+              <a:rPr lang="en-CA"/>
               <a:t>Fourth level</a:t>
             </a:r>
           </a:p>
           <a:p>
             <a:pPr lvl="4"/>
             <a:r>
-              <a:rPr lang="en-CA" smtClean="0"/>
+              <a:rPr lang="en-CA"/>
               <a:t>Fifth level</a:t>
             </a:r>
             <a:endParaRPr lang="en-US"/>
@@ -1195,35 +1195,35 @@
           <a:p>
             <a:pPr lvl="0"/>
             <a:r>
-              <a:rPr lang="en-CA" smtClean="0"/>
+              <a:rPr lang="en-CA"/>
               <a:t>Click to edit Master text styles</a:t>
             </a:r>
           </a:p>
           <a:p>
             <a:pPr lvl="1"/>
             <a:r>
-              <a:rPr lang="en-CA" smtClean="0"/>
+              <a:rPr lang="en-CA"/>
               <a:t>Second level</a:t>
             </a:r>
           </a:p>
           <a:p>
             <a:pPr lvl="2"/>
             <a:r>
-              <a:rPr lang="en-CA" smtClean="0"/>
+              <a:rPr lang="en-CA"/>
               <a:t>Third level</a:t>
             </a:r>
           </a:p>
           <a:p>
             <a:pPr lvl="3"/>
             <a:r>
-              <a:rPr lang="en-CA" smtClean="0"/>
+              <a:rPr lang="en-CA"/>
               <a:t>Fourth level</a:t>
             </a:r>
           </a:p>
           <a:p>
             <a:pPr lvl="4"/>
             <a:r>
-              <a:rPr lang="en-CA" smtClean="0"/>
+              <a:rPr lang="en-CA"/>
               <a:t>Fifth level</a:t>
             </a:r>
             <a:endParaRPr lang="en-US"/>
@@ -1247,7 +1247,7 @@
           <a:p>
             <a:fld id="{4C5A60F0-2CE1-1148-B547-E1B4E7CB6218}" type="datetimeFigureOut">
               <a:rPr lang="en-US" smtClean="0"/>
-              <a:t>9/17/16</a:t>
+              <a:t>9/18/2016</a:t>
             </a:fld>
             <a:endParaRPr lang="en-US"/>
           </a:p>
@@ -1346,7 +1346,7 @@
           <a:lstStyle/>
           <a:p>
             <a:r>
-              <a:rPr lang="en-CA" smtClean="0"/>
+              <a:rPr lang="en-CA"/>
               <a:t>Click to edit Master title style</a:t>
             </a:r>
             <a:endParaRPr lang="en-US"/>
@@ -1412,7 +1412,7 @@
           <a:p>
             <a:pPr lvl="0"/>
             <a:r>
-              <a:rPr lang="en-CA" smtClean="0"/>
+              <a:rPr lang="en-CA"/>
               <a:t>Click to edit Master text styles</a:t>
             </a:r>
           </a:p>
@@ -1440,35 +1440,35 @@
           <a:p>
             <a:pPr lvl="0"/>
             <a:r>
-              <a:rPr lang="en-CA" smtClean="0"/>
+              <a:rPr lang="en-CA"/>
               <a:t>Click to edit Master text styles</a:t>
             </a:r>
           </a:p>
           <a:p>
             <a:pPr lvl="1"/>
             <a:r>
-              <a:rPr lang="en-CA" smtClean="0"/>
+              <a:rPr lang="en-CA"/>
               <a:t>Second level</a:t>
             </a:r>
           </a:p>
           <a:p>
             <a:pPr lvl="2"/>
             <a:r>
-              <a:rPr lang="en-CA" smtClean="0"/>
+              <a:rPr lang="en-CA"/>
               <a:t>Third level</a:t>
             </a:r>
           </a:p>
           <a:p>
             <a:pPr lvl="3"/>
             <a:r>
-              <a:rPr lang="en-CA" smtClean="0"/>
+              <a:rPr lang="en-CA"/>
               <a:t>Fourth level</a:t>
             </a:r>
           </a:p>
           <a:p>
             <a:pPr lvl="4"/>
             <a:r>
-              <a:rPr lang="en-CA" smtClean="0"/>
+              <a:rPr lang="en-CA"/>
               <a:t>Fifth level</a:t>
             </a:r>
             <a:endParaRPr lang="en-US"/>
@@ -1534,7 +1534,7 @@
           <a:p>
             <a:pPr lvl="0"/>
             <a:r>
-              <a:rPr lang="en-CA" smtClean="0"/>
+              <a:rPr lang="en-CA"/>
               <a:t>Click to edit Master text styles</a:t>
             </a:r>
           </a:p>
@@ -1562,35 +1562,35 @@
           <a:p>
             <a:pPr lvl="0"/>
             <a:r>
-              <a:rPr lang="en-CA" smtClean="0"/>
+              <a:rPr lang="en-CA"/>
               <a:t>Click to edit Master text styles</a:t>
             </a:r>
           </a:p>
           <a:p>
             <a:pPr lvl="1"/>
             <a:r>
-              <a:rPr lang="en-CA" smtClean="0"/>
+              <a:rPr lang="en-CA"/>
               <a:t>Second level</a:t>
             </a:r>
           </a:p>
           <a:p>
             <a:pPr lvl="2"/>
             <a:r>
-              <a:rPr lang="en-CA" smtClean="0"/>
+              <a:rPr lang="en-CA"/>
               <a:t>Third level</a:t>
             </a:r>
           </a:p>
           <a:p>
             <a:pPr lvl="3"/>
             <a:r>
-              <a:rPr lang="en-CA" smtClean="0"/>
+              <a:rPr lang="en-CA"/>
               <a:t>Fourth level</a:t>
             </a:r>
           </a:p>
           <a:p>
             <a:pPr lvl="4"/>
             <a:r>
-              <a:rPr lang="en-CA" smtClean="0"/>
+              <a:rPr lang="en-CA"/>
               <a:t>Fifth level</a:t>
             </a:r>
             <a:endParaRPr lang="en-US"/>
@@ -1614,7 +1614,7 @@
           <a:p>
             <a:fld id="{4C5A60F0-2CE1-1148-B547-E1B4E7CB6218}" type="datetimeFigureOut">
               <a:rPr lang="en-US" smtClean="0"/>
-              <a:t>9/17/16</a:t>
+              <a:t>9/18/2016</a:t>
             </a:fld>
             <a:endParaRPr lang="en-US"/>
           </a:p>
@@ -1708,7 +1708,7 @@
           <a:lstStyle/>
           <a:p>
             <a:r>
-              <a:rPr lang="en-CA" smtClean="0"/>
+              <a:rPr lang="en-CA"/>
               <a:t>Click to edit Master title style</a:t>
             </a:r>
             <a:endParaRPr lang="en-US"/>
@@ -1732,7 +1732,7 @@
           <a:p>
             <a:fld id="{4C5A60F0-2CE1-1148-B547-E1B4E7CB6218}" type="datetimeFigureOut">
               <a:rPr lang="en-US" smtClean="0"/>
-              <a:t>9/17/16</a:t>
+              <a:t>9/18/2016</a:t>
             </a:fld>
             <a:endParaRPr lang="en-US"/>
           </a:p>
@@ -1827,7 +1827,7 @@
           <a:p>
             <a:fld id="{4C5A60F0-2CE1-1148-B547-E1B4E7CB6218}" type="datetimeFigureOut">
               <a:rPr lang="en-US" smtClean="0"/>
-              <a:t>9/17/16</a:t>
+              <a:t>9/18/2016</a:t>
             </a:fld>
             <a:endParaRPr lang="en-US"/>
           </a:p>
@@ -1930,7 +1930,7 @@
           </a:lstStyle>
           <a:p>
             <a:r>
-              <a:rPr lang="en-CA" smtClean="0"/>
+              <a:rPr lang="en-CA"/>
               <a:t>Click to edit Master title style</a:t>
             </a:r>
             <a:endParaRPr lang="en-US"/>
@@ -1987,35 +1987,35 @@
           <a:p>
             <a:pPr lvl="0"/>
             <a:r>
-              <a:rPr lang="en-CA" smtClean="0"/>
+              <a:rPr lang="en-CA"/>
               <a:t>Click to edit Master text styles</a:t>
             </a:r>
           </a:p>
           <a:p>
             <a:pPr lvl="1"/>
             <a:r>
-              <a:rPr lang="en-CA" smtClean="0"/>
+              <a:rPr lang="en-CA"/>
               <a:t>Second level</a:t>
             </a:r>
           </a:p>
           <a:p>
             <a:pPr lvl="2"/>
             <a:r>
-              <a:rPr lang="en-CA" smtClean="0"/>
+              <a:rPr lang="en-CA"/>
               <a:t>Third level</a:t>
             </a:r>
           </a:p>
           <a:p>
             <a:pPr lvl="3"/>
             <a:r>
-              <a:rPr lang="en-CA" smtClean="0"/>
+              <a:rPr lang="en-CA"/>
               <a:t>Fourth level</a:t>
             </a:r>
           </a:p>
           <a:p>
             <a:pPr lvl="4"/>
             <a:r>
-              <a:rPr lang="en-CA" smtClean="0"/>
+              <a:rPr lang="en-CA"/>
               <a:t>Fifth level</a:t>
             </a:r>
             <a:endParaRPr lang="en-US"/>
@@ -2081,7 +2081,7 @@
           <a:p>
             <a:pPr lvl="0"/>
             <a:r>
-              <a:rPr lang="en-CA" smtClean="0"/>
+              <a:rPr lang="en-CA"/>
               <a:t>Click to edit Master text styles</a:t>
             </a:r>
           </a:p>
@@ -2104,7 +2104,7 @@
           <a:p>
             <a:fld id="{4C5A60F0-2CE1-1148-B547-E1B4E7CB6218}" type="datetimeFigureOut">
               <a:rPr lang="en-US" smtClean="0"/>
-              <a:t>9/17/16</a:t>
+              <a:t>9/18/2016</a:t>
             </a:fld>
             <a:endParaRPr lang="en-US"/>
           </a:p>
@@ -2207,7 +2207,7 @@
           </a:lstStyle>
           <a:p>
             <a:r>
-              <a:rPr lang="en-CA" smtClean="0"/>
+              <a:rPr lang="en-CA"/>
               <a:t>Click to edit Master title style</a:t>
             </a:r>
             <a:endParaRPr lang="en-US"/>
@@ -2334,7 +2334,7 @@
           <a:p>
             <a:pPr lvl="0"/>
             <a:r>
-              <a:rPr lang="en-CA" smtClean="0"/>
+              <a:rPr lang="en-CA"/>
               <a:t>Click to edit Master text styles</a:t>
             </a:r>
           </a:p>
@@ -2357,7 +2357,7 @@
           <a:p>
             <a:fld id="{4C5A60F0-2CE1-1148-B547-E1B4E7CB6218}" type="datetimeFigureOut">
               <a:rPr lang="en-US" smtClean="0"/>
-              <a:t>9/17/16</a:t>
+              <a:t>9/18/2016</a:t>
             </a:fld>
             <a:endParaRPr lang="en-US"/>
           </a:p>
@@ -2466,7 +2466,7 @@
           <a:lstStyle/>
           <a:p>
             <a:r>
-              <a:rPr lang="en-CA" smtClean="0"/>
+              <a:rPr lang="en-CA"/>
               <a:t>Click to edit Master title style</a:t>
             </a:r>
             <a:endParaRPr lang="en-US"/>
@@ -2500,35 +2500,35 @@
           <a:p>
             <a:pPr lvl="0"/>
             <a:r>
-              <a:rPr lang="en-CA" smtClean="0"/>
+              <a:rPr lang="en-CA"/>
               <a:t>Click to edit Master text styles</a:t>
             </a:r>
           </a:p>
           <a:p>
             <a:pPr lvl="1"/>
             <a:r>
-              <a:rPr lang="en-CA" smtClean="0"/>
+              <a:rPr lang="en-CA"/>
               <a:t>Second level</a:t>
             </a:r>
           </a:p>
           <a:p>
             <a:pPr lvl="2"/>
             <a:r>
-              <a:rPr lang="en-CA" smtClean="0"/>
+              <a:rPr lang="en-CA"/>
               <a:t>Third level</a:t>
             </a:r>
           </a:p>
           <a:p>
             <a:pPr lvl="3"/>
             <a:r>
-              <a:rPr lang="en-CA" smtClean="0"/>
+              <a:rPr lang="en-CA"/>
               <a:t>Fourth level</a:t>
             </a:r>
           </a:p>
           <a:p>
             <a:pPr lvl="4"/>
             <a:r>
-              <a:rPr lang="en-CA" smtClean="0"/>
+              <a:rPr lang="en-CA"/>
               <a:t>Fifth level</a:t>
             </a:r>
             <a:endParaRPr lang="en-US"/>
@@ -2570,7 +2570,7 @@
           <a:p>
             <a:fld id="{4C5A60F0-2CE1-1148-B547-E1B4E7CB6218}" type="datetimeFigureOut">
               <a:rPr lang="en-US" smtClean="0"/>
-              <a:t>9/17/16</a:t>
+              <a:t>9/18/2016</a:t>
             </a:fld>
             <a:endParaRPr lang="en-US"/>
           </a:p>
@@ -3053,7 +3053,7 @@
           <a:p>
             <a:pPr algn="r"/>
             <a:r>
-              <a:rPr lang="en-US" sz="6000" dirty="0" smtClean="0">
+              <a:rPr lang="en-US" sz="6000" dirty="0">
                 <a:solidFill>
                   <a:srgbClr val="124983"/>
                 </a:solidFill>
@@ -3063,14 +3063,6 @@
               </a:rPr>
               <a:t>Simplifying White Glove Delivery</a:t>
             </a:r>
-            <a:endParaRPr lang="en-US" sz="6000" dirty="0">
-              <a:solidFill>
-                <a:srgbClr val="124983"/>
-              </a:solidFill>
-              <a:latin typeface="Avenir Light" charset="0"/>
-              <a:ea typeface="Avenir Light" charset="0"/>
-              <a:cs typeface="Avenir Light" charset="0"/>
-            </a:endParaRPr>
           </a:p>
         </p:txBody>
       </p:sp>
@@ -3098,7 +3090,7 @@
           <a:p>
             <a:pPr algn="r"/>
             <a:r>
-              <a:rPr lang="en-US" sz="2500" i="1" dirty="0" smtClean="0">
+              <a:rPr lang="en-US" sz="2500" i="1" dirty="0">
                 <a:solidFill>
                   <a:srgbClr val="F4B019"/>
                 </a:solidFill>
@@ -3108,14 +3100,6 @@
               </a:rPr>
               <a:t>An Adaptive User-Metric Oriented Calculation Tool</a:t>
             </a:r>
-            <a:endParaRPr lang="en-US" sz="2500" i="1" dirty="0">
-              <a:solidFill>
-                <a:srgbClr val="F4B019"/>
-              </a:solidFill>
-              <a:latin typeface="Avenir Light Oblique" charset="0"/>
-              <a:ea typeface="Avenir Light Oblique" charset="0"/>
-              <a:cs typeface="Avenir Light Oblique" charset="0"/>
-            </a:endParaRPr>
           </a:p>
         </p:txBody>
       </p:sp>
@@ -3159,13 +3143,6 @@
   <p:clrMapOvr>
     <a:masterClrMapping/>
   </p:clrMapOvr>
-  <p:timing>
-    <p:tnLst>
-      <p:par>
-        <p:cTn id="1" dur="indefinite" restart="never" nodeType="tmRoot"/>
-      </p:par>
-    </p:tnLst>
-  </p:timing>
 </p:sld>
 </file>
 
@@ -3264,7 +3241,7 @@
           <a:p>
             <a:pPr algn="r"/>
             <a:r>
-              <a:rPr lang="en-US" sz="5000" dirty="0" smtClean="0">
+              <a:rPr lang="en-US" sz="5000" dirty="0">
                 <a:solidFill>
                   <a:srgbClr val="124983"/>
                 </a:solidFill>
@@ -3274,14 +3251,6 @@
               </a:rPr>
               <a:t>The Problem</a:t>
             </a:r>
-            <a:endParaRPr lang="en-US" sz="5000" dirty="0">
-              <a:solidFill>
-                <a:srgbClr val="124983"/>
-              </a:solidFill>
-              <a:latin typeface="Avenir Light" charset="0"/>
-              <a:ea typeface="Avenir Light" charset="0"/>
-              <a:cs typeface="Avenir Light" charset="0"/>
-            </a:endParaRPr>
           </a:p>
         </p:txBody>
       </p:sp>
@@ -3338,7 +3307,7 @@
           <a:lstStyle/>
           <a:p>
             <a:r>
-              <a:rPr lang="en-US" sz="3200" i="1" dirty="0" smtClean="0">
+              <a:rPr lang="en-US" sz="3200" i="1" dirty="0">
                 <a:solidFill>
                   <a:srgbClr val="F4B019"/>
                 </a:solidFill>
@@ -3348,14 +3317,6 @@
               </a:rPr>
               <a:t>Current Approach</a:t>
             </a:r>
-            <a:endParaRPr lang="en-US" sz="3200" i="1" dirty="0">
-              <a:solidFill>
-                <a:srgbClr val="F4B019"/>
-              </a:solidFill>
-              <a:latin typeface="Avenir Light" charset="0"/>
-              <a:ea typeface="Avenir Light" charset="0"/>
-              <a:cs typeface="Avenir Light" charset="0"/>
-            </a:endParaRPr>
           </a:p>
         </p:txBody>
       </p:sp>
@@ -3367,7 +3328,7 @@
         </p:nvSpPr>
         <p:spPr>
           <a:xfrm>
-            <a:off x="281354" y="2871597"/>
+            <a:off x="281354" y="3617990"/>
             <a:ext cx="8610199" cy="954107"/>
           </a:xfrm>
           <a:prstGeom prst="rect">
@@ -3382,7 +3343,7 @@
           <a:lstStyle/>
           <a:p>
             <a:r>
-              <a:rPr lang="en-US" sz="2800" dirty="0" smtClean="0">
+              <a:rPr lang="en-US" sz="2800" dirty="0">
                 <a:solidFill>
                   <a:schemeClr val="bg1"/>
                 </a:solidFill>
@@ -3392,14 +3353,6 @@
               </a:rPr>
               <a:t>- 	Inside Delivery option is not apparent during 	checkout</a:t>
             </a:r>
-            <a:endParaRPr lang="en-US" sz="2800" dirty="0">
-              <a:solidFill>
-                <a:schemeClr val="bg1"/>
-              </a:solidFill>
-              <a:latin typeface="Avenir Light" charset="0"/>
-              <a:ea typeface="Avenir Light" charset="0"/>
-              <a:cs typeface="Avenir Light" charset="0"/>
-            </a:endParaRPr>
           </a:p>
         </p:txBody>
       </p:sp>
@@ -3411,7 +3364,7 @@
         </p:nvSpPr>
         <p:spPr>
           <a:xfrm>
-            <a:off x="266900" y="4276737"/>
+            <a:off x="281354" y="4755176"/>
             <a:ext cx="8610199" cy="954107"/>
           </a:xfrm>
           <a:prstGeom prst="rect">
@@ -3426,7 +3379,7 @@
           <a:lstStyle/>
           <a:p>
             <a:r>
-              <a:rPr lang="en-US" sz="2800" dirty="0" smtClean="0">
+              <a:rPr lang="en-US" sz="2800" dirty="0">
                 <a:solidFill>
                   <a:schemeClr val="bg1"/>
                 </a:solidFill>
@@ -3436,14 +3389,42 @@
               </a:rPr>
               <a:t>- 	Customer must be aware of this service, then call 	Build Direct for shipment quote</a:t>
             </a:r>
-            <a:endParaRPr lang="en-US" sz="2800" dirty="0">
-              <a:solidFill>
-                <a:schemeClr val="bg1"/>
-              </a:solidFill>
-              <a:latin typeface="Avenir Light" charset="0"/>
-              <a:ea typeface="Avenir Light" charset="0"/>
-              <a:cs typeface="Avenir Light" charset="0"/>
-            </a:endParaRPr>
+          </a:p>
+        </p:txBody>
+      </p:sp>
+      <p:sp>
+        <p:nvSpPr>
+          <p:cNvPr id="8" name="TextBox 7"/>
+          <p:cNvSpPr txBox="1"/>
+          <p:nvPr/>
+        </p:nvSpPr>
+        <p:spPr>
+          <a:xfrm>
+            <a:off x="281354" y="2627447"/>
+            <a:ext cx="8610199" cy="523220"/>
+          </a:xfrm>
+          <a:prstGeom prst="rect">
+            <a:avLst/>
+          </a:prstGeom>
+          <a:noFill/>
+        </p:spPr>
+        <p:txBody>
+          <a:bodyPr wrap="square" rtlCol="0">
+            <a:spAutoFit/>
+          </a:bodyPr>
+          <a:lstStyle/>
+          <a:p>
+            <a:r>
+              <a:rPr lang="en-US" sz="2800" dirty="0">
+                <a:solidFill>
+                  <a:schemeClr val="bg1"/>
+                </a:solidFill>
+                <a:latin typeface="Avenir Light" charset="0"/>
+                <a:ea typeface="Avenir Light" charset="0"/>
+                <a:cs typeface="Avenir Light" charset="0"/>
+              </a:rPr>
+              <a:t>- 	What is White Glove?</a:t>
+            </a:r>
           </a:p>
         </p:txBody>
       </p:sp>
@@ -3600,6 +3581,51 @@
                       </p:childTnLst>
                     </p:cTn>
                   </p:par>
+                  <p:par>
+                    <p:cTn id="15" fill="hold">
+                      <p:stCondLst>
+                        <p:cond delay="indefinite"/>
+                      </p:stCondLst>
+                      <p:childTnLst>
+                        <p:par>
+                          <p:cTn id="16" fill="hold">
+                            <p:stCondLst>
+                              <p:cond delay="0"/>
+                            </p:stCondLst>
+                            <p:childTnLst>
+                              <p:par>
+                                <p:cTn id="17" presetID="1" presetClass="entr" presetSubtype="0" fill="hold" grpId="0" nodeType="clickEffect">
+                                  <p:stCondLst>
+                                    <p:cond delay="0"/>
+                                  </p:stCondLst>
+                                  <p:childTnLst>
+                                    <p:set>
+                                      <p:cBhvr>
+                                        <p:cTn id="18" dur="1" fill="hold">
+                                          <p:stCondLst>
+                                            <p:cond delay="0"/>
+                                          </p:stCondLst>
+                                        </p:cTn>
+                                        <p:tgtEl>
+                                          <p:spTgt spid="8"/>
+                                        </p:tgtEl>
+                                        <p:attrNameLst>
+                                          <p:attrName>style.visibility</p:attrName>
+                                        </p:attrNameLst>
+                                      </p:cBhvr>
+                                      <p:to>
+                                        <p:strVal val="visible"/>
+                                      </p:to>
+                                    </p:set>
+                                  </p:childTnLst>
+                                </p:cTn>
+                              </p:par>
+                            </p:childTnLst>
+                          </p:cTn>
+                        </p:par>
+                      </p:childTnLst>
+                    </p:cTn>
+                  </p:par>
                 </p:childTnLst>
               </p:cTn>
               <p:prevCondLst>
@@ -3625,6 +3651,7 @@
       <p:bldP spid="9" grpId="0"/>
       <p:bldP spid="12" grpId="0"/>
       <p:bldP spid="14" grpId="0"/>
+      <p:bldP spid="8" grpId="0"/>
     </p:bldLst>
   </p:timing>
 </p:sld>
@@ -3725,7 +3752,7 @@
           <a:p>
             <a:pPr algn="r"/>
             <a:r>
-              <a:rPr lang="en-US" sz="5000" dirty="0" smtClean="0">
+              <a:rPr lang="en-US" sz="5000" dirty="0">
                 <a:solidFill>
                   <a:srgbClr val="124983"/>
                 </a:solidFill>
@@ -3735,14 +3762,6 @@
               </a:rPr>
               <a:t>The Problem</a:t>
             </a:r>
-            <a:endParaRPr lang="en-US" sz="5000" dirty="0">
-              <a:solidFill>
-                <a:srgbClr val="124983"/>
-              </a:solidFill>
-              <a:latin typeface="Avenir Light" charset="0"/>
-              <a:ea typeface="Avenir Light" charset="0"/>
-              <a:cs typeface="Avenir Light" charset="0"/>
-            </a:endParaRPr>
           </a:p>
         </p:txBody>
       </p:sp>
@@ -3799,7 +3818,7 @@
           <a:lstStyle/>
           <a:p>
             <a:r>
-              <a:rPr lang="en-US" sz="3200" i="1" dirty="0" smtClean="0">
+              <a:rPr lang="en-US" sz="3200" i="1" dirty="0">
                 <a:solidFill>
                   <a:srgbClr val="F4B019"/>
                 </a:solidFill>
@@ -3809,14 +3828,6 @@
               </a:rPr>
               <a:t>Issues for Customer</a:t>
             </a:r>
-            <a:endParaRPr lang="en-US" sz="3200" i="1" dirty="0">
-              <a:solidFill>
-                <a:srgbClr val="F4B019"/>
-              </a:solidFill>
-              <a:latin typeface="Avenir Light" charset="0"/>
-              <a:ea typeface="Avenir Light" charset="0"/>
-              <a:cs typeface="Avenir Light" charset="0"/>
-            </a:endParaRPr>
           </a:p>
         </p:txBody>
       </p:sp>
@@ -3843,7 +3854,7 @@
           <a:lstStyle/>
           <a:p>
             <a:r>
-              <a:rPr lang="en-US" sz="2800" dirty="0" smtClean="0">
+              <a:rPr lang="en-US" sz="2800" dirty="0">
                 <a:solidFill>
                   <a:schemeClr val="bg1"/>
                 </a:solidFill>
@@ -3853,14 +3864,6 @@
               </a:rPr>
               <a:t>- 	Opaque process</a:t>
             </a:r>
-            <a:endParaRPr lang="en-US" sz="2800" dirty="0">
-              <a:solidFill>
-                <a:schemeClr val="bg1"/>
-              </a:solidFill>
-              <a:latin typeface="Avenir Light" charset="0"/>
-              <a:ea typeface="Avenir Light" charset="0"/>
-              <a:cs typeface="Avenir Light" charset="0"/>
-            </a:endParaRPr>
           </a:p>
         </p:txBody>
       </p:sp>
@@ -3887,7 +3890,7 @@
           <a:lstStyle/>
           <a:p>
             <a:r>
-              <a:rPr lang="en-US" sz="2800" dirty="0" smtClean="0">
+              <a:rPr lang="en-US" sz="2800" dirty="0">
                 <a:solidFill>
                   <a:schemeClr val="bg1"/>
                 </a:solidFill>
@@ -3897,14 +3900,6 @@
               </a:rPr>
               <a:t>- 	Unanticipated charges</a:t>
             </a:r>
-            <a:endParaRPr lang="en-US" sz="2800" dirty="0">
-              <a:solidFill>
-                <a:schemeClr val="bg1"/>
-              </a:solidFill>
-              <a:latin typeface="Avenir Light" charset="0"/>
-              <a:ea typeface="Avenir Light" charset="0"/>
-              <a:cs typeface="Avenir Light" charset="0"/>
-            </a:endParaRPr>
           </a:p>
         </p:txBody>
       </p:sp>
@@ -3931,7 +3926,7 @@
           <a:lstStyle/>
           <a:p>
             <a:r>
-              <a:rPr lang="en-US" sz="2800" dirty="0" smtClean="0">
+              <a:rPr lang="en-US" sz="2800" dirty="0">
                 <a:solidFill>
                   <a:schemeClr val="bg1"/>
                 </a:solidFill>
@@ -3941,14 +3936,6 @@
               </a:rPr>
               <a:t>- 	Non-standardized metrics</a:t>
             </a:r>
-            <a:endParaRPr lang="en-US" sz="2800" dirty="0">
-              <a:solidFill>
-                <a:schemeClr val="bg1"/>
-              </a:solidFill>
-              <a:latin typeface="Avenir Light" charset="0"/>
-              <a:ea typeface="Avenir Light" charset="0"/>
-              <a:cs typeface="Avenir Light" charset="0"/>
-            </a:endParaRPr>
           </a:p>
         </p:txBody>
       </p:sp>
@@ -4351,7 +4338,7 @@
           <a:p>
             <a:pPr algn="r"/>
             <a:r>
-              <a:rPr lang="en-US" sz="5000" dirty="0" smtClean="0">
+              <a:rPr lang="en-US" sz="5000" dirty="0">
                 <a:solidFill>
                   <a:srgbClr val="124983"/>
                 </a:solidFill>
@@ -4361,14 +4348,6 @@
               </a:rPr>
               <a:t>The Problem</a:t>
             </a:r>
-            <a:endParaRPr lang="en-US" sz="5000" dirty="0">
-              <a:solidFill>
-                <a:srgbClr val="124983"/>
-              </a:solidFill>
-              <a:latin typeface="Avenir Light" charset="0"/>
-              <a:ea typeface="Avenir Light" charset="0"/>
-              <a:cs typeface="Avenir Light" charset="0"/>
-            </a:endParaRPr>
           </a:p>
         </p:txBody>
       </p:sp>
@@ -4425,7 +4404,7 @@
           <a:lstStyle/>
           <a:p>
             <a:r>
-              <a:rPr lang="en-US" sz="3200" i="1" dirty="0" smtClean="0">
+              <a:rPr lang="en-US" sz="3200" i="1" dirty="0">
                 <a:solidFill>
                   <a:srgbClr val="F4B019"/>
                 </a:solidFill>
@@ -4435,14 +4414,6 @@
               </a:rPr>
               <a:t>Issues for Supplier</a:t>
             </a:r>
-            <a:endParaRPr lang="en-US" sz="3200" i="1" dirty="0">
-              <a:solidFill>
-                <a:srgbClr val="F4B019"/>
-              </a:solidFill>
-              <a:latin typeface="Avenir Light" charset="0"/>
-              <a:ea typeface="Avenir Light" charset="0"/>
-              <a:cs typeface="Avenir Light" charset="0"/>
-            </a:endParaRPr>
           </a:p>
         </p:txBody>
       </p:sp>
@@ -4469,7 +4440,7 @@
           <a:lstStyle/>
           <a:p>
             <a:r>
-              <a:rPr lang="en-US" sz="2800" dirty="0" smtClean="0">
+              <a:rPr lang="en-US" sz="2800" dirty="0">
                 <a:solidFill>
                   <a:schemeClr val="bg1"/>
                 </a:solidFill>
@@ -4479,14 +4450,6 @@
               </a:rPr>
               <a:t>- 	Shipment refusals</a:t>
             </a:r>
-            <a:endParaRPr lang="en-US" sz="2800" dirty="0">
-              <a:solidFill>
-                <a:schemeClr val="bg1"/>
-              </a:solidFill>
-              <a:latin typeface="Avenir Light" charset="0"/>
-              <a:ea typeface="Avenir Light" charset="0"/>
-              <a:cs typeface="Avenir Light" charset="0"/>
-            </a:endParaRPr>
           </a:p>
         </p:txBody>
       </p:sp>
@@ -4513,7 +4476,7 @@
           <a:lstStyle/>
           <a:p>
             <a:r>
-              <a:rPr lang="en-US" sz="2800" dirty="0" smtClean="0">
+              <a:rPr lang="en-US" sz="2800" dirty="0">
                 <a:solidFill>
                   <a:schemeClr val="bg1"/>
                 </a:solidFill>
@@ -4523,14 +4486,6 @@
               </a:rPr>
               <a:t>- 	Cost in return shipping</a:t>
             </a:r>
-            <a:endParaRPr lang="en-US" sz="2800" dirty="0">
-              <a:solidFill>
-                <a:schemeClr val="bg1"/>
-              </a:solidFill>
-              <a:latin typeface="Avenir Light" charset="0"/>
-              <a:ea typeface="Avenir Light" charset="0"/>
-              <a:cs typeface="Avenir Light" charset="0"/>
-            </a:endParaRPr>
           </a:p>
         </p:txBody>
       </p:sp>
@@ -4557,7 +4512,7 @@
           <a:lstStyle/>
           <a:p>
             <a:r>
-              <a:rPr lang="en-US" sz="2800" dirty="0" smtClean="0">
+              <a:rPr lang="en-US" sz="2800" dirty="0">
                 <a:solidFill>
                   <a:schemeClr val="bg1"/>
                 </a:solidFill>
@@ -4567,14 +4522,6 @@
               </a:rPr>
               <a:t>- 	Lower customer satisfaction</a:t>
             </a:r>
-            <a:endParaRPr lang="en-US" sz="2800" dirty="0">
-              <a:solidFill>
-                <a:schemeClr val="bg1"/>
-              </a:solidFill>
-              <a:latin typeface="Avenir Light" charset="0"/>
-              <a:ea typeface="Avenir Light" charset="0"/>
-              <a:cs typeface="Avenir Light" charset="0"/>
-            </a:endParaRPr>
           </a:p>
         </p:txBody>
       </p:sp>
@@ -4601,7 +4548,7 @@
           <a:lstStyle/>
           <a:p>
             <a:r>
-              <a:rPr lang="en-US" sz="2800" dirty="0" smtClean="0">
+              <a:rPr lang="en-US" sz="2800" dirty="0">
                 <a:solidFill>
                   <a:schemeClr val="bg1"/>
                 </a:solidFill>
@@ -4611,14 +4558,6 @@
               </a:rPr>
               <a:t>- 	Labour cost in re-stocking warehouse </a:t>
             </a:r>
-            <a:endParaRPr lang="en-US" sz="2800" dirty="0">
-              <a:solidFill>
-                <a:schemeClr val="bg1"/>
-              </a:solidFill>
-              <a:latin typeface="Avenir Light" charset="0"/>
-              <a:ea typeface="Avenir Light" charset="0"/>
-              <a:cs typeface="Avenir Light" charset="0"/>
-            </a:endParaRPr>
           </a:p>
         </p:txBody>
       </p:sp>
@@ -4645,7 +4584,7 @@
           <a:lstStyle/>
           <a:p>
             <a:r>
-              <a:rPr lang="en-US" sz="2800" dirty="0" smtClean="0">
+              <a:rPr lang="en-US" sz="2800" dirty="0">
                 <a:solidFill>
                   <a:schemeClr val="bg1"/>
                 </a:solidFill>
@@ -4655,14 +4594,6 @@
               </a:rPr>
               <a:t>- 	Waste of resources</a:t>
             </a:r>
-            <a:endParaRPr lang="en-US" sz="2800" dirty="0">
-              <a:solidFill>
-                <a:schemeClr val="bg1"/>
-              </a:solidFill>
-              <a:latin typeface="Avenir Light" charset="0"/>
-              <a:ea typeface="Avenir Light" charset="0"/>
-              <a:cs typeface="Avenir Light" charset="0"/>
-            </a:endParaRPr>
           </a:p>
         </p:txBody>
       </p:sp>
@@ -5082,7 +5013,7 @@
           <a:p>
             <a:pPr algn="r"/>
             <a:r>
-              <a:rPr lang="en-US" sz="5000" dirty="0" smtClean="0">
+              <a:rPr lang="en-US" sz="5000" dirty="0">
                 <a:solidFill>
                   <a:srgbClr val="124983"/>
                 </a:solidFill>
@@ -5092,14 +5023,6 @@
               </a:rPr>
               <a:t>The Solution</a:t>
             </a:r>
-            <a:endParaRPr lang="en-US" sz="5000" dirty="0">
-              <a:solidFill>
-                <a:srgbClr val="124983"/>
-              </a:solidFill>
-              <a:latin typeface="Avenir Light" charset="0"/>
-              <a:ea typeface="Avenir Light" charset="0"/>
-              <a:cs typeface="Avenir Light" charset="0"/>
-            </a:endParaRPr>
           </a:p>
         </p:txBody>
       </p:sp>
@@ -5156,7 +5079,7 @@
           <a:lstStyle/>
           <a:p>
             <a:r>
-              <a:rPr lang="en-US" sz="3200" i="1" dirty="0" smtClean="0">
+              <a:rPr lang="en-US" sz="3200" i="1" dirty="0">
                 <a:solidFill>
                   <a:srgbClr val="F4B019"/>
                 </a:solidFill>
@@ -5166,14 +5089,6 @@
               </a:rPr>
               <a:t>Our Approach</a:t>
             </a:r>
-            <a:endParaRPr lang="en-US" sz="3200" i="1" dirty="0">
-              <a:solidFill>
-                <a:srgbClr val="F4B019"/>
-              </a:solidFill>
-              <a:latin typeface="Avenir Light" charset="0"/>
-              <a:ea typeface="Avenir Light" charset="0"/>
-              <a:cs typeface="Avenir Light" charset="0"/>
-            </a:endParaRPr>
           </a:p>
         </p:txBody>
       </p:sp>
@@ -5200,7 +5115,7 @@
           <a:lstStyle/>
           <a:p>
             <a:r>
-              <a:rPr lang="en-US" sz="2800" dirty="0" smtClean="0">
+              <a:rPr lang="en-US" sz="2800" dirty="0">
                 <a:solidFill>
                   <a:schemeClr val="bg1"/>
                 </a:solidFill>
@@ -5210,14 +5125,6 @@
               </a:rPr>
               <a:t>- 	Bypass phone call</a:t>
             </a:r>
-            <a:endParaRPr lang="en-US" sz="2800" dirty="0">
-              <a:solidFill>
-                <a:schemeClr val="bg1"/>
-              </a:solidFill>
-              <a:latin typeface="Avenir Light" charset="0"/>
-              <a:ea typeface="Avenir Light" charset="0"/>
-              <a:cs typeface="Avenir Light" charset="0"/>
-            </a:endParaRPr>
           </a:p>
         </p:txBody>
       </p:sp>
@@ -5244,7 +5151,7 @@
           <a:lstStyle/>
           <a:p>
             <a:r>
-              <a:rPr lang="en-US" sz="2800" dirty="0" smtClean="0">
+              <a:rPr lang="en-US" sz="2800" dirty="0">
                 <a:solidFill>
                   <a:schemeClr val="bg1"/>
                 </a:solidFill>
@@ -5254,14 +5161,6 @@
               </a:rPr>
               <a:t>- 	Make availability of White Glove Service apparent</a:t>
             </a:r>
-            <a:endParaRPr lang="en-US" sz="2800" dirty="0">
-              <a:solidFill>
-                <a:schemeClr val="bg1"/>
-              </a:solidFill>
-              <a:latin typeface="Avenir Light" charset="0"/>
-              <a:ea typeface="Avenir Light" charset="0"/>
-              <a:cs typeface="Avenir Light" charset="0"/>
-            </a:endParaRPr>
           </a:p>
         </p:txBody>
       </p:sp>
@@ -5288,7 +5187,7 @@
           <a:lstStyle/>
           <a:p>
             <a:r>
-              <a:rPr lang="en-US" sz="2800" dirty="0" smtClean="0">
+              <a:rPr lang="en-US" sz="2800" dirty="0">
                 <a:solidFill>
                   <a:schemeClr val="bg1"/>
                 </a:solidFill>
@@ -5298,14 +5197,6 @@
               </a:rPr>
               <a:t>- 	Provide user-friendly custom quote calculator 	during checkout</a:t>
             </a:r>
-            <a:endParaRPr lang="en-US" sz="2800" dirty="0">
-              <a:solidFill>
-                <a:schemeClr val="bg1"/>
-              </a:solidFill>
-              <a:latin typeface="Avenir Light" charset="0"/>
-              <a:ea typeface="Avenir Light" charset="0"/>
-              <a:cs typeface="Avenir Light" charset="0"/>
-            </a:endParaRPr>
           </a:p>
         </p:txBody>
       </p:sp>
@@ -5332,7 +5223,7 @@
           <a:lstStyle/>
           <a:p>
             <a:r>
-              <a:rPr lang="en-US" sz="2800" dirty="0" smtClean="0">
+              <a:rPr lang="en-US" sz="2800" dirty="0">
                 <a:solidFill>
                   <a:schemeClr val="bg1"/>
                 </a:solidFill>
@@ -5342,14 +5233,6 @@
               </a:rPr>
               <a:t>- 	Standardize shipment cost based on user metrics</a:t>
             </a:r>
-            <a:endParaRPr lang="en-US" sz="2800" dirty="0">
-              <a:solidFill>
-                <a:schemeClr val="bg1"/>
-              </a:solidFill>
-              <a:latin typeface="Avenir Light" charset="0"/>
-              <a:ea typeface="Avenir Light" charset="0"/>
-              <a:cs typeface="Avenir Light" charset="0"/>
-            </a:endParaRPr>
           </a:p>
         </p:txBody>
       </p:sp>
@@ -5723,7 +5606,7 @@
           <a:p>
             <a:pPr algn="r"/>
             <a:r>
-              <a:rPr lang="en-US" sz="5000" dirty="0" smtClean="0">
+              <a:rPr lang="en-US" sz="5000" dirty="0">
                 <a:solidFill>
                   <a:srgbClr val="124983"/>
                 </a:solidFill>
@@ -5733,14 +5616,6 @@
               </a:rPr>
               <a:t>The Solution</a:t>
             </a:r>
-            <a:endParaRPr lang="en-US" sz="5000" dirty="0">
-              <a:solidFill>
-                <a:srgbClr val="124983"/>
-              </a:solidFill>
-              <a:latin typeface="Avenir Light" charset="0"/>
-              <a:ea typeface="Avenir Light" charset="0"/>
-              <a:cs typeface="Avenir Light" charset="0"/>
-            </a:endParaRPr>
           </a:p>
         </p:txBody>
       </p:sp>
@@ -5798,7 +5673,7 @@
           <a:p>
             <a:pPr algn="ctr"/>
             <a:r>
-              <a:rPr lang="en-US" sz="3200" i="1" dirty="0" smtClean="0">
+              <a:rPr lang="en-US" sz="3200" i="1" dirty="0">
                 <a:solidFill>
                   <a:srgbClr val="F4B019"/>
                 </a:solidFill>
@@ -5808,14 +5683,6 @@
               </a:rPr>
               <a:t>The Result</a:t>
             </a:r>
-            <a:endParaRPr lang="en-US" sz="3200" i="1" dirty="0">
-              <a:solidFill>
-                <a:srgbClr val="F4B019"/>
-              </a:solidFill>
-              <a:latin typeface="Avenir Light" charset="0"/>
-              <a:ea typeface="Avenir Light" charset="0"/>
-              <a:cs typeface="Avenir Light" charset="0"/>
-            </a:endParaRPr>
           </a:p>
         </p:txBody>
       </p:sp>
@@ -6227,7 +6094,7 @@
           <a:p>
             <a:pPr algn="r"/>
             <a:r>
-              <a:rPr lang="en-US" sz="5000" dirty="0" smtClean="0">
+              <a:rPr lang="en-US" sz="5000" dirty="0">
                 <a:solidFill>
                   <a:srgbClr val="124983"/>
                 </a:solidFill>
@@ -6237,14 +6104,6 @@
               </a:rPr>
               <a:t>The Solution</a:t>
             </a:r>
-            <a:endParaRPr lang="en-US" sz="5000" dirty="0">
-              <a:solidFill>
-                <a:srgbClr val="124983"/>
-              </a:solidFill>
-              <a:latin typeface="Avenir Light" charset="0"/>
-              <a:ea typeface="Avenir Light" charset="0"/>
-              <a:cs typeface="Avenir Light" charset="0"/>
-            </a:endParaRPr>
           </a:p>
         </p:txBody>
       </p:sp>
@@ -6301,7 +6160,7 @@
           <a:lstStyle/>
           <a:p>
             <a:r>
-              <a:rPr lang="en-US" sz="3200" i="1" dirty="0" smtClean="0">
+              <a:rPr lang="en-US" sz="3200" i="1" dirty="0">
                 <a:solidFill>
                   <a:srgbClr val="F4B019"/>
                 </a:solidFill>
@@ -6311,14 +6170,6 @@
               </a:rPr>
               <a:t>Our Technology</a:t>
             </a:r>
-            <a:endParaRPr lang="en-US" sz="3200" i="1" dirty="0">
-              <a:solidFill>
-                <a:srgbClr val="F4B019"/>
-              </a:solidFill>
-              <a:latin typeface="Avenir Light" charset="0"/>
-              <a:ea typeface="Avenir Light" charset="0"/>
-              <a:cs typeface="Avenir Light" charset="0"/>
-            </a:endParaRPr>
           </a:p>
         </p:txBody>
       </p:sp>
@@ -6349,7 +6200,7 @@
               <a:buChar char="-"/>
             </a:pPr>
             <a:r>
-              <a:rPr lang="en-US" sz="2800" dirty="0" smtClean="0">
+              <a:rPr lang="en-US" sz="2800" dirty="0">
                 <a:solidFill>
                   <a:schemeClr val="bg1"/>
                 </a:solidFill>
@@ -6366,7 +6217,7 @@
               <a:buChar char="-"/>
             </a:pPr>
             <a:r>
-              <a:rPr lang="en-US" sz="2800" dirty="0" smtClean="0">
+              <a:rPr lang="en-US" sz="2800" dirty="0">
                 <a:solidFill>
                   <a:schemeClr val="bg1"/>
                 </a:solidFill>
@@ -6383,17 +6234,6 @@
               <a:buChar char="-"/>
             </a:pPr>
             <a:r>
-              <a:rPr lang="en-US" sz="2800" dirty="0" smtClean="0">
-                <a:solidFill>
-                  <a:schemeClr val="bg1"/>
-                </a:solidFill>
-                <a:latin typeface="Avenir Light" charset="0"/>
-                <a:ea typeface="Avenir Light" charset="0"/>
-                <a:cs typeface="Avenir Light" charset="0"/>
-              </a:rPr>
-              <a:t>User metrics (destination details, distance, </a:t>
-            </a:r>
-            <a:r>
               <a:rPr lang="en-US" sz="2800" dirty="0">
                 <a:solidFill>
                   <a:schemeClr val="bg1"/>
@@ -6402,27 +6242,8 @@
                 <a:ea typeface="Avenir Light" charset="0"/>
                 <a:cs typeface="Avenir Light" charset="0"/>
               </a:rPr>
-              <a:t>	</a:t>
-            </a:r>
-            <a:r>
-              <a:rPr lang="en-US" sz="2800" dirty="0" smtClean="0">
-                <a:solidFill>
-                  <a:schemeClr val="bg1"/>
-                </a:solidFill>
-                <a:latin typeface="Avenir Light" charset="0"/>
-                <a:ea typeface="Avenir Light" charset="0"/>
-                <a:cs typeface="Avenir Light" charset="0"/>
-              </a:rPr>
-              <a:t>						elevation, restrictions)</a:t>
-            </a:r>
-            <a:endParaRPr lang="en-US" sz="2800" dirty="0">
-              <a:solidFill>
-                <a:schemeClr val="bg1"/>
-              </a:solidFill>
-              <a:latin typeface="Avenir Light" charset="0"/>
-              <a:ea typeface="Avenir Light" charset="0"/>
-              <a:cs typeface="Avenir Light" charset="0"/>
-            </a:endParaRPr>
+              <a:t>User metrics (destination details, distance, 							elevation, restrictions)</a:t>
+            </a:r>
           </a:p>
         </p:txBody>
       </p:sp>
@@ -6449,7 +6270,7 @@
           <a:lstStyle/>
           <a:p>
             <a:r>
-              <a:rPr lang="en-US" sz="2800" dirty="0" smtClean="0">
+              <a:rPr lang="en-US" sz="2800" dirty="0">
                 <a:solidFill>
                   <a:schemeClr val="bg1"/>
                 </a:solidFill>
@@ -6459,14 +6280,6 @@
               </a:rPr>
               <a:t>-	Modular design can be adapted to 	supplier/logistical specifications</a:t>
             </a:r>
-            <a:endParaRPr lang="en-US" sz="2800" dirty="0">
-              <a:solidFill>
-                <a:schemeClr val="bg1"/>
-              </a:solidFill>
-              <a:latin typeface="Avenir Light" charset="0"/>
-              <a:ea typeface="Avenir Light" charset="0"/>
-              <a:cs typeface="Avenir Light" charset="0"/>
-            </a:endParaRPr>
           </a:p>
         </p:txBody>
       </p:sp>
@@ -6493,7 +6306,7 @@
           <a:lstStyle/>
           <a:p>
             <a:r>
-              <a:rPr lang="en-US" sz="2800" dirty="0" smtClean="0">
+              <a:rPr lang="en-US" sz="2800" dirty="0">
                 <a:solidFill>
                   <a:schemeClr val="bg1"/>
                 </a:solidFill>
@@ -6503,14 +6316,6 @@
               </a:rPr>
               <a:t>- 	Standalone CSS overlay</a:t>
             </a:r>
-            <a:endParaRPr lang="en-US" sz="2800" dirty="0">
-              <a:solidFill>
-                <a:schemeClr val="bg1"/>
-              </a:solidFill>
-              <a:latin typeface="Avenir Light" charset="0"/>
-              <a:ea typeface="Avenir Light" charset="0"/>
-              <a:cs typeface="Avenir Light" charset="0"/>
-            </a:endParaRPr>
           </a:p>
         </p:txBody>
       </p:sp>
@@ -6537,7 +6342,7 @@
           <a:lstStyle/>
           <a:p>
             <a:r>
-              <a:rPr lang="en-US" sz="2800" dirty="0" smtClean="0">
+              <a:rPr lang="en-US" sz="2800" dirty="0">
                 <a:solidFill>
                   <a:schemeClr val="bg1"/>
                 </a:solidFill>
@@ -6547,14 +6352,6 @@
               </a:rPr>
               <a:t>- 	Friendly UX experience</a:t>
             </a:r>
-            <a:endParaRPr lang="en-US" sz="2800" dirty="0">
-              <a:solidFill>
-                <a:schemeClr val="bg1"/>
-              </a:solidFill>
-              <a:latin typeface="Avenir Light" charset="0"/>
-              <a:ea typeface="Avenir Light" charset="0"/>
-              <a:cs typeface="Avenir Light" charset="0"/>
-            </a:endParaRPr>
           </a:p>
         </p:txBody>
       </p:sp>

--- a/HACKBD-presentation.pptx
+++ b/HACKBD-presentation.pptx
@@ -4,6 +4,9 @@
   <p:sldMasterIdLst>
     <p:sldMasterId id="2147483660" r:id="rId1"/>
   </p:sldMasterIdLst>
+  <p:notesMasterIdLst>
+    <p:notesMasterId r:id="rId9"/>
+  </p:notesMasterIdLst>
   <p:sldIdLst>
     <p:sldId id="256" r:id="rId2"/>
     <p:sldId id="257" r:id="rId3"/>
@@ -116,6 +119,458 @@
     </p:ext>
   </p:extLst>
 </p:presentation>
+</file>
+
+<file path=ppt/notesMasters/notesMaster1.xml><?xml version="1.0" encoding="utf-8"?>
+<p:notesMaster xmlns:a="http://schemas.openxmlformats.org/drawingml/2006/main" xmlns:r="http://schemas.openxmlformats.org/officeDocument/2006/relationships" xmlns:p="http://schemas.openxmlformats.org/presentationml/2006/main">
+  <p:cSld>
+    <p:bg>
+      <p:bgRef idx="1001">
+        <a:schemeClr val="bg1"/>
+      </p:bgRef>
+    </p:bg>
+    <p:spTree>
+      <p:nvGrpSpPr>
+        <p:cNvPr id="1" name=""/>
+        <p:cNvGrpSpPr/>
+        <p:nvPr/>
+      </p:nvGrpSpPr>
+      <p:grpSpPr>
+        <a:xfrm>
+          <a:off x="0" y="0"/>
+          <a:ext cx="0" cy="0"/>
+          <a:chOff x="0" y="0"/>
+          <a:chExt cx="0" cy="0"/>
+        </a:xfrm>
+      </p:grpSpPr>
+      <p:sp>
+        <p:nvSpPr>
+          <p:cNvPr id="2" name="Header Placeholder 1"/>
+          <p:cNvSpPr>
+            <a:spLocks noGrp="1"/>
+          </p:cNvSpPr>
+          <p:nvPr>
+            <p:ph type="hdr" sz="quarter"/>
+          </p:nvPr>
+        </p:nvSpPr>
+        <p:spPr>
+          <a:xfrm>
+            <a:off x="0" y="0"/>
+            <a:ext cx="2971800" cy="458788"/>
+          </a:xfrm>
+          <a:prstGeom prst="rect">
+            <a:avLst/>
+          </a:prstGeom>
+        </p:spPr>
+        <p:txBody>
+          <a:bodyPr vert="horz" lIns="91440" tIns="45720" rIns="91440" bIns="45720" rtlCol="0"/>
+          <a:lstStyle>
+            <a:lvl1pPr algn="l">
+              <a:defRPr sz="1200"/>
+            </a:lvl1pPr>
+          </a:lstStyle>
+          <a:p>
+            <a:endParaRPr lang="en-CA"/>
+          </a:p>
+        </p:txBody>
+      </p:sp>
+      <p:sp>
+        <p:nvSpPr>
+          <p:cNvPr id="3" name="Date Placeholder 2"/>
+          <p:cNvSpPr>
+            <a:spLocks noGrp="1"/>
+          </p:cNvSpPr>
+          <p:nvPr>
+            <p:ph type="dt" idx="1"/>
+          </p:nvPr>
+        </p:nvSpPr>
+        <p:spPr>
+          <a:xfrm>
+            <a:off x="3884613" y="0"/>
+            <a:ext cx="2971800" cy="458788"/>
+          </a:xfrm>
+          <a:prstGeom prst="rect">
+            <a:avLst/>
+          </a:prstGeom>
+        </p:spPr>
+        <p:txBody>
+          <a:bodyPr vert="horz" lIns="91440" tIns="45720" rIns="91440" bIns="45720" rtlCol="0"/>
+          <a:lstStyle>
+            <a:lvl1pPr algn="r">
+              <a:defRPr sz="1200"/>
+            </a:lvl1pPr>
+          </a:lstStyle>
+          <a:p>
+            <a:fld id="{D595AEB3-04F4-42EA-A953-DCC9A05B4502}" type="datetimeFigureOut">
+              <a:rPr lang="en-CA" smtClean="0"/>
+              <a:t>2016-09-18</a:t>
+            </a:fld>
+            <a:endParaRPr lang="en-CA"/>
+          </a:p>
+        </p:txBody>
+      </p:sp>
+      <p:sp>
+        <p:nvSpPr>
+          <p:cNvPr id="4" name="Slide Image Placeholder 3"/>
+          <p:cNvSpPr>
+            <a:spLocks noGrp="1" noRot="1" noChangeAspect="1"/>
+          </p:cNvSpPr>
+          <p:nvPr>
+            <p:ph type="sldImg" idx="2"/>
+          </p:nvPr>
+        </p:nvSpPr>
+        <p:spPr>
+          <a:xfrm>
+            <a:off x="1371600" y="1143000"/>
+            <a:ext cx="4114800" cy="3086100"/>
+          </a:xfrm>
+          <a:prstGeom prst="rect">
+            <a:avLst/>
+          </a:prstGeom>
+          <a:noFill/>
+          <a:ln w="12700">
+            <a:solidFill>
+              <a:prstClr val="black"/>
+            </a:solidFill>
+          </a:ln>
+        </p:spPr>
+        <p:txBody>
+          <a:bodyPr vert="horz" lIns="91440" tIns="45720" rIns="91440" bIns="45720" rtlCol="0" anchor="ctr"/>
+          <a:lstStyle/>
+          <a:p>
+            <a:endParaRPr lang="en-CA"/>
+          </a:p>
+        </p:txBody>
+      </p:sp>
+      <p:sp>
+        <p:nvSpPr>
+          <p:cNvPr id="5" name="Notes Placeholder 4"/>
+          <p:cNvSpPr>
+            <a:spLocks noGrp="1"/>
+          </p:cNvSpPr>
+          <p:nvPr>
+            <p:ph type="body" sz="quarter" idx="3"/>
+          </p:nvPr>
+        </p:nvSpPr>
+        <p:spPr>
+          <a:xfrm>
+            <a:off x="685800" y="4400550"/>
+            <a:ext cx="5486400" cy="3600450"/>
+          </a:xfrm>
+          <a:prstGeom prst="rect">
+            <a:avLst/>
+          </a:prstGeom>
+        </p:spPr>
+        <p:txBody>
+          <a:bodyPr vert="horz" lIns="91440" tIns="45720" rIns="91440" bIns="45720" rtlCol="0"/>
+          <a:lstStyle/>
+          <a:p>
+            <a:pPr lvl="0"/>
+            <a:r>
+              <a:rPr lang="en-US"/>
+              <a:t>Edit Master text styles</a:t>
+            </a:r>
+          </a:p>
+          <a:p>
+            <a:pPr lvl="1"/>
+            <a:r>
+              <a:rPr lang="en-US"/>
+              <a:t>Second level</a:t>
+            </a:r>
+          </a:p>
+          <a:p>
+            <a:pPr lvl="2"/>
+            <a:r>
+              <a:rPr lang="en-US"/>
+              <a:t>Third level</a:t>
+            </a:r>
+          </a:p>
+          <a:p>
+            <a:pPr lvl="3"/>
+            <a:r>
+              <a:rPr lang="en-US"/>
+              <a:t>Fourth level</a:t>
+            </a:r>
+          </a:p>
+          <a:p>
+            <a:pPr lvl="4"/>
+            <a:r>
+              <a:rPr lang="en-US"/>
+              <a:t>Fifth level</a:t>
+            </a:r>
+            <a:endParaRPr lang="en-CA"/>
+          </a:p>
+        </p:txBody>
+      </p:sp>
+      <p:sp>
+        <p:nvSpPr>
+          <p:cNvPr id="6" name="Footer Placeholder 5"/>
+          <p:cNvSpPr>
+            <a:spLocks noGrp="1"/>
+          </p:cNvSpPr>
+          <p:nvPr>
+            <p:ph type="ftr" sz="quarter" idx="4"/>
+          </p:nvPr>
+        </p:nvSpPr>
+        <p:spPr>
+          <a:xfrm>
+            <a:off x="0" y="8685213"/>
+            <a:ext cx="2971800" cy="458787"/>
+          </a:xfrm>
+          <a:prstGeom prst="rect">
+            <a:avLst/>
+          </a:prstGeom>
+        </p:spPr>
+        <p:txBody>
+          <a:bodyPr vert="horz" lIns="91440" tIns="45720" rIns="91440" bIns="45720" rtlCol="0" anchor="b"/>
+          <a:lstStyle>
+            <a:lvl1pPr algn="l">
+              <a:defRPr sz="1200"/>
+            </a:lvl1pPr>
+          </a:lstStyle>
+          <a:p>
+            <a:endParaRPr lang="en-CA"/>
+          </a:p>
+        </p:txBody>
+      </p:sp>
+      <p:sp>
+        <p:nvSpPr>
+          <p:cNvPr id="7" name="Slide Number Placeholder 6"/>
+          <p:cNvSpPr>
+            <a:spLocks noGrp="1"/>
+          </p:cNvSpPr>
+          <p:nvPr>
+            <p:ph type="sldNum" sz="quarter" idx="5"/>
+          </p:nvPr>
+        </p:nvSpPr>
+        <p:spPr>
+          <a:xfrm>
+            <a:off x="3884613" y="8685213"/>
+            <a:ext cx="2971800" cy="458787"/>
+          </a:xfrm>
+          <a:prstGeom prst="rect">
+            <a:avLst/>
+          </a:prstGeom>
+        </p:spPr>
+        <p:txBody>
+          <a:bodyPr vert="horz" lIns="91440" tIns="45720" rIns="91440" bIns="45720" rtlCol="0" anchor="b"/>
+          <a:lstStyle>
+            <a:lvl1pPr algn="r">
+              <a:defRPr sz="1200"/>
+            </a:lvl1pPr>
+          </a:lstStyle>
+          <a:p>
+            <a:fld id="{B57EA6AF-4F8D-4876-93B5-2D4903517CDE}" type="slidenum">
+              <a:rPr lang="en-CA" smtClean="0"/>
+              <a:t>‹#›</a:t>
+            </a:fld>
+            <a:endParaRPr lang="en-CA"/>
+          </a:p>
+        </p:txBody>
+      </p:sp>
+    </p:spTree>
+    <p:extLst>
+      <p:ext uri="{BB962C8B-B14F-4D97-AF65-F5344CB8AC3E}">
+        <p14:creationId xmlns:p14="http://schemas.microsoft.com/office/powerpoint/2010/main" val="2996224964"/>
+      </p:ext>
+    </p:extLst>
+  </p:cSld>
+  <p:clrMap bg1="lt1" tx1="dk1" bg2="lt2" tx2="dk2" accent1="accent1" accent2="accent2" accent3="accent3" accent4="accent4" accent5="accent5" accent6="accent6" hlink="hlink" folHlink="folHlink"/>
+  <p:notesStyle>
+    <a:lvl1pPr marL="0" algn="l" defTabSz="914400" rtl="0" eaLnBrk="1" latinLnBrk="0" hangingPunct="1">
+      <a:defRPr sz="1200" kern="1200">
+        <a:solidFill>
+          <a:schemeClr val="tx1"/>
+        </a:solidFill>
+        <a:latin typeface="+mn-lt"/>
+        <a:ea typeface="+mn-ea"/>
+        <a:cs typeface="+mn-cs"/>
+      </a:defRPr>
+    </a:lvl1pPr>
+    <a:lvl2pPr marL="457200" algn="l" defTabSz="914400" rtl="0" eaLnBrk="1" latinLnBrk="0" hangingPunct="1">
+      <a:defRPr sz="1200" kern="1200">
+        <a:solidFill>
+          <a:schemeClr val="tx1"/>
+        </a:solidFill>
+        <a:latin typeface="+mn-lt"/>
+        <a:ea typeface="+mn-ea"/>
+        <a:cs typeface="+mn-cs"/>
+      </a:defRPr>
+    </a:lvl2pPr>
+    <a:lvl3pPr marL="914400" algn="l" defTabSz="914400" rtl="0" eaLnBrk="1" latinLnBrk="0" hangingPunct="1">
+      <a:defRPr sz="1200" kern="1200">
+        <a:solidFill>
+          <a:schemeClr val="tx1"/>
+        </a:solidFill>
+        <a:latin typeface="+mn-lt"/>
+        <a:ea typeface="+mn-ea"/>
+        <a:cs typeface="+mn-cs"/>
+      </a:defRPr>
+    </a:lvl3pPr>
+    <a:lvl4pPr marL="1371600" algn="l" defTabSz="914400" rtl="0" eaLnBrk="1" latinLnBrk="0" hangingPunct="1">
+      <a:defRPr sz="1200" kern="1200">
+        <a:solidFill>
+          <a:schemeClr val="tx1"/>
+        </a:solidFill>
+        <a:latin typeface="+mn-lt"/>
+        <a:ea typeface="+mn-ea"/>
+        <a:cs typeface="+mn-cs"/>
+      </a:defRPr>
+    </a:lvl4pPr>
+    <a:lvl5pPr marL="1828800" algn="l" defTabSz="914400" rtl="0" eaLnBrk="1" latinLnBrk="0" hangingPunct="1">
+      <a:defRPr sz="1200" kern="1200">
+        <a:solidFill>
+          <a:schemeClr val="tx1"/>
+        </a:solidFill>
+        <a:latin typeface="+mn-lt"/>
+        <a:ea typeface="+mn-ea"/>
+        <a:cs typeface="+mn-cs"/>
+      </a:defRPr>
+    </a:lvl5pPr>
+    <a:lvl6pPr marL="2286000" algn="l" defTabSz="914400" rtl="0" eaLnBrk="1" latinLnBrk="0" hangingPunct="1">
+      <a:defRPr sz="1200" kern="1200">
+        <a:solidFill>
+          <a:schemeClr val="tx1"/>
+        </a:solidFill>
+        <a:latin typeface="+mn-lt"/>
+        <a:ea typeface="+mn-ea"/>
+        <a:cs typeface="+mn-cs"/>
+      </a:defRPr>
+    </a:lvl6pPr>
+    <a:lvl7pPr marL="2743200" algn="l" defTabSz="914400" rtl="0" eaLnBrk="1" latinLnBrk="0" hangingPunct="1">
+      <a:defRPr sz="1200" kern="1200">
+        <a:solidFill>
+          <a:schemeClr val="tx1"/>
+        </a:solidFill>
+        <a:latin typeface="+mn-lt"/>
+        <a:ea typeface="+mn-ea"/>
+        <a:cs typeface="+mn-cs"/>
+      </a:defRPr>
+    </a:lvl7pPr>
+    <a:lvl8pPr marL="3200400" algn="l" defTabSz="914400" rtl="0" eaLnBrk="1" latinLnBrk="0" hangingPunct="1">
+      <a:defRPr sz="1200" kern="1200">
+        <a:solidFill>
+          <a:schemeClr val="tx1"/>
+        </a:solidFill>
+        <a:latin typeface="+mn-lt"/>
+        <a:ea typeface="+mn-ea"/>
+        <a:cs typeface="+mn-cs"/>
+      </a:defRPr>
+    </a:lvl8pPr>
+    <a:lvl9pPr marL="3657600" algn="l" defTabSz="914400" rtl="0" eaLnBrk="1" latinLnBrk="0" hangingPunct="1">
+      <a:defRPr sz="1200" kern="1200">
+        <a:solidFill>
+          <a:schemeClr val="tx1"/>
+        </a:solidFill>
+        <a:latin typeface="+mn-lt"/>
+        <a:ea typeface="+mn-ea"/>
+        <a:cs typeface="+mn-cs"/>
+      </a:defRPr>
+    </a:lvl9pPr>
+  </p:notesStyle>
+</p:notesMaster>
+</file>
+
+<file path=ppt/notesSlides/notesSlide1.xml><?xml version="1.0" encoding="utf-8"?>
+<p:notes xmlns:a="http://schemas.openxmlformats.org/drawingml/2006/main" xmlns:r="http://schemas.openxmlformats.org/officeDocument/2006/relationships" xmlns:p="http://schemas.openxmlformats.org/presentationml/2006/main">
+  <p:cSld>
+    <p:spTree>
+      <p:nvGrpSpPr>
+        <p:cNvPr id="1" name=""/>
+        <p:cNvGrpSpPr/>
+        <p:nvPr/>
+      </p:nvGrpSpPr>
+      <p:grpSpPr>
+        <a:xfrm>
+          <a:off x="0" y="0"/>
+          <a:ext cx="0" cy="0"/>
+          <a:chOff x="0" y="0"/>
+          <a:chExt cx="0" cy="0"/>
+        </a:xfrm>
+      </p:grpSpPr>
+      <p:sp>
+        <p:nvSpPr>
+          <p:cNvPr id="2" name="Slide Image Placeholder 1"/>
+          <p:cNvSpPr>
+            <a:spLocks noGrp="1" noRot="1" noChangeAspect="1"/>
+          </p:cNvSpPr>
+          <p:nvPr>
+            <p:ph type="sldImg"/>
+          </p:nvPr>
+        </p:nvSpPr>
+        <p:spPr/>
+      </p:sp>
+      <p:sp>
+        <p:nvSpPr>
+          <p:cNvPr id="3" name="Notes Placeholder 2"/>
+          <p:cNvSpPr>
+            <a:spLocks noGrp="1"/>
+          </p:cNvSpPr>
+          <p:nvPr>
+            <p:ph type="body" idx="1"/>
+          </p:nvPr>
+        </p:nvSpPr>
+        <p:spPr/>
+        <p:txBody>
+          <a:bodyPr/>
+          <a:lstStyle/>
+          <a:p>
+            <a:r>
+              <a:rPr lang="en-CA" dirty="0"/>
+              <a:t>This</a:t>
+            </a:r>
+            <a:r>
+              <a:rPr lang="en-CA" baseline="0" dirty="0"/>
+              <a:t> creates an opaque process for the customer, where they expect their product to be delivered at no extra cost</a:t>
+            </a:r>
+            <a:r>
+              <a:rPr lang="en-CA" baseline="0"/>
+              <a:t>. These </a:t>
+            </a:r>
+            <a:r>
+              <a:rPr lang="en-CA" baseline="0" dirty="0"/>
+              <a:t>unanticipated charges can anger customers, and result in a lot of post-delivery problems for Build Direct.</a:t>
+            </a:r>
+          </a:p>
+          <a:p>
+            <a:endParaRPr lang="en-CA" dirty="0"/>
+          </a:p>
+        </p:txBody>
+      </p:sp>
+      <p:sp>
+        <p:nvSpPr>
+          <p:cNvPr id="4" name="Slide Number Placeholder 3"/>
+          <p:cNvSpPr>
+            <a:spLocks noGrp="1"/>
+          </p:cNvSpPr>
+          <p:nvPr>
+            <p:ph type="sldNum" sz="quarter" idx="10"/>
+          </p:nvPr>
+        </p:nvSpPr>
+        <p:spPr/>
+        <p:txBody>
+          <a:bodyPr/>
+          <a:lstStyle/>
+          <a:p>
+            <a:fld id="{B57EA6AF-4F8D-4876-93B5-2D4903517CDE}" type="slidenum">
+              <a:rPr lang="en-CA" smtClean="0"/>
+              <a:t>3</a:t>
+            </a:fld>
+            <a:endParaRPr lang="en-CA"/>
+          </a:p>
+        </p:txBody>
+      </p:sp>
+    </p:spTree>
+    <p:extLst>
+      <p:ext uri="{BB962C8B-B14F-4D97-AF65-F5344CB8AC3E}">
+        <p14:creationId xmlns:p14="http://schemas.microsoft.com/office/powerpoint/2010/main" val="2906232530"/>
+      </p:ext>
+    </p:extLst>
+  </p:cSld>
+  <p:clrMapOvr>
+    <a:masterClrMapping/>
+  </p:clrMapOvr>
+</p:notes>
 </file>
 
 <file path=ppt/slideLayouts/slideLayout1.xml><?xml version="1.0" encoding="utf-8"?>
@@ -3774,7 +4229,7 @@
           <p:nvPr/>
         </p:nvPicPr>
         <p:blipFill>
-          <a:blip r:embed="rId2">
+          <a:blip r:embed="rId3">
             <a:extLst>
               <a:ext uri="{28A0092B-C50C-407E-A947-70E740481C1C}">
                 <a14:useLocalDpi xmlns:a14="http://schemas.microsoft.com/office/drawing/2010/main" val="0"/>
@@ -3948,7 +4403,7 @@
           <p:nvPr/>
         </p:nvPicPr>
         <p:blipFill>
-          <a:blip r:embed="rId3">
+          <a:blip r:embed="rId4">
             <a:extLst>
               <a:ext uri="{28A0092B-C50C-407E-A947-70E740481C1C}">
                 <a14:useLocalDpi xmlns:a14="http://schemas.microsoft.com/office/drawing/2010/main" val="0"/>
@@ -6993,4 +7448,299 @@
     </a:ext>
   </a:extLst>
 </a:theme>
+</file>
+
+<file path=ppt/theme/theme2.xml><?xml version="1.0" encoding="utf-8"?>
+<a:theme xmlns:a="http://schemas.openxmlformats.org/drawingml/2006/main" name="Office Theme">
+  <a:themeElements>
+    <a:clrScheme name="Office">
+      <a:dk1>
+        <a:sysClr val="windowText" lastClr="000000"/>
+      </a:dk1>
+      <a:lt1>
+        <a:sysClr val="window" lastClr="FFFFFF"/>
+      </a:lt1>
+      <a:dk2>
+        <a:srgbClr val="44546A"/>
+      </a:dk2>
+      <a:lt2>
+        <a:srgbClr val="E7E6E6"/>
+      </a:lt2>
+      <a:accent1>
+        <a:srgbClr val="5B9BD5"/>
+      </a:accent1>
+      <a:accent2>
+        <a:srgbClr val="ED7D31"/>
+      </a:accent2>
+      <a:accent3>
+        <a:srgbClr val="A5A5A5"/>
+      </a:accent3>
+      <a:accent4>
+        <a:srgbClr val="FFC000"/>
+      </a:accent4>
+      <a:accent5>
+        <a:srgbClr val="4472C4"/>
+      </a:accent5>
+      <a:accent6>
+        <a:srgbClr val="70AD47"/>
+      </a:accent6>
+      <a:hlink>
+        <a:srgbClr val="0563C1"/>
+      </a:hlink>
+      <a:folHlink>
+        <a:srgbClr val="954F72"/>
+      </a:folHlink>
+    </a:clrScheme>
+    <a:fontScheme name="Office">
+      <a:majorFont>
+        <a:latin typeface="Calibri Light" panose="020F0302020204030204"/>
+        <a:ea typeface=""/>
+        <a:cs typeface=""/>
+        <a:font script="Jpan" typeface="游ゴシック Light"/>
+        <a:font script="Hang" typeface="맑은 고딕"/>
+        <a:font script="Hans" typeface="等线 Light"/>
+        <a:font script="Hant" typeface="新細明體"/>
+        <a:font script="Arab" typeface="Times New Roman"/>
+        <a:font script="Hebr" typeface="Times New Roman"/>
+        <a:font script="Thai" typeface="Angsana New"/>
+        <a:font script="Ethi" typeface="Nyala"/>
+        <a:font script="Beng" typeface="Vrinda"/>
+        <a:font script="Gujr" typeface="Shruti"/>
+        <a:font script="Khmr" typeface="MoolBoran"/>
+        <a:font script="Knda" typeface="Tunga"/>
+        <a:font script="Guru" typeface="Raavi"/>
+        <a:font script="Cans" typeface="Euphemia"/>
+        <a:font script="Cher" typeface="Plantagenet Cherokee"/>
+        <a:font script="Yiii" typeface="Microsoft Yi Baiti"/>
+        <a:font script="Tibt" typeface="Microsoft Himalaya"/>
+        <a:font script="Thaa" typeface="MV Boli"/>
+        <a:font script="Deva" typeface="Mangal"/>
+        <a:font script="Telu" typeface="Gautami"/>
+        <a:font script="Taml" typeface="Latha"/>
+        <a:font script="Syrc" typeface="Estrangelo Edessa"/>
+        <a:font script="Orya" typeface="Kalinga"/>
+        <a:font script="Mlym" typeface="Kartika"/>
+        <a:font script="Laoo" typeface="DokChampa"/>
+        <a:font script="Sinh" typeface="Iskoola Pota"/>
+        <a:font script="Mong" typeface="Mongolian Baiti"/>
+        <a:font script="Viet" typeface="Times New Roman"/>
+        <a:font script="Uigh" typeface="Microsoft Uighur"/>
+        <a:font script="Geor" typeface="Sylfaen"/>
+        <a:font script="Armn" typeface="Arial"/>
+        <a:font script="Bugi" typeface="Leelawadee UI"/>
+        <a:font script="Bopo" typeface="Microsoft JhengHei"/>
+        <a:font script="Java" typeface="Javanese Text"/>
+        <a:font script="Lisu" typeface="Segoe UI"/>
+        <a:font script="Mymr" typeface="Myanmar Text"/>
+        <a:font script="Nkoo" typeface="Ebrima"/>
+        <a:font script="Olck" typeface="Nirmala UI"/>
+        <a:font script="Osma" typeface="Ebrima"/>
+        <a:font script="Phag" typeface="Phagspa"/>
+        <a:font script="Syrn" typeface="Estrangelo Edessa"/>
+        <a:font script="Syrj" typeface="Estrangelo Edessa"/>
+        <a:font script="Syre" typeface="Estrangelo Edessa"/>
+        <a:font script="Sora" typeface="Nirmala UI"/>
+        <a:font script="Tale" typeface="Microsoft Tai Le"/>
+        <a:font script="Talu" typeface="Microsoft New Tai Lue"/>
+        <a:font script="Tfng" typeface="Ebrima"/>
+      </a:majorFont>
+      <a:minorFont>
+        <a:latin typeface="Calibri" panose="020F0502020204030204"/>
+        <a:ea typeface=""/>
+        <a:cs typeface=""/>
+        <a:font script="Jpan" typeface="游ゴシック"/>
+        <a:font script="Hang" typeface="맑은 고딕"/>
+        <a:font script="Hans" typeface="等线"/>
+        <a:font script="Hant" typeface="新細明體"/>
+        <a:font script="Arab" typeface="Arial"/>
+        <a:font script="Hebr" typeface="Arial"/>
+        <a:font script="Thai" typeface="Cordia New"/>
+        <a:font script="Ethi" typeface="Nyala"/>
+        <a:font script="Beng" typeface="Vrinda"/>
+        <a:font script="Gujr" typeface="Shruti"/>
+        <a:font script="Khmr" typeface="DaunPenh"/>
+        <a:font script="Knda" typeface="Tunga"/>
+        <a:font script="Guru" typeface="Raavi"/>
+        <a:font script="Cans" typeface="Euphemia"/>
+        <a:font script="Cher" typeface="Plantagenet Cherokee"/>
+        <a:font script="Yiii" typeface="Microsoft Yi Baiti"/>
+        <a:font script="Tibt" typeface="Microsoft Himalaya"/>
+        <a:font script="Thaa" typeface="MV Boli"/>
+        <a:font script="Deva" typeface="Mangal"/>
+        <a:font script="Telu" typeface="Gautami"/>
+        <a:font script="Taml" typeface="Latha"/>
+        <a:font script="Syrc" typeface="Estrangelo Edessa"/>
+        <a:font script="Orya" typeface="Kalinga"/>
+        <a:font script="Mlym" typeface="Kartika"/>
+        <a:font script="Laoo" typeface="DokChampa"/>
+        <a:font script="Sinh" typeface="Iskoola Pota"/>
+        <a:font script="Mong" typeface="Mongolian Baiti"/>
+        <a:font script="Viet" typeface="Arial"/>
+        <a:font script="Uigh" typeface="Microsoft Uighur"/>
+        <a:font script="Geor" typeface="Sylfaen"/>
+        <a:font script="Armn" typeface="Arial"/>
+        <a:font script="Bugi" typeface="Leelawadee UI"/>
+        <a:font script="Bopo" typeface="Microsoft JhengHei"/>
+        <a:font script="Java" typeface="Javanese Text"/>
+        <a:font script="Lisu" typeface="Segoe UI"/>
+        <a:font script="Mymr" typeface="Myanmar Text"/>
+        <a:font script="Nkoo" typeface="Ebrima"/>
+        <a:font script="Olck" typeface="Nirmala UI"/>
+        <a:font script="Osma" typeface="Ebrima"/>
+        <a:font script="Phag" typeface="Phagspa"/>
+        <a:font script="Syrn" typeface="Estrangelo Edessa"/>
+        <a:font script="Syrj" typeface="Estrangelo Edessa"/>
+        <a:font script="Syre" typeface="Estrangelo Edessa"/>
+        <a:font script="Sora" typeface="Nirmala UI"/>
+        <a:font script="Tale" typeface="Microsoft Tai Le"/>
+        <a:font script="Talu" typeface="Microsoft New Tai Lue"/>
+        <a:font script="Tfng" typeface="Ebrima"/>
+      </a:minorFont>
+    </a:fontScheme>
+    <a:fmtScheme name="Office">
+      <a:fillStyleLst>
+        <a:solidFill>
+          <a:schemeClr val="phClr"/>
+        </a:solidFill>
+        <a:gradFill rotWithShape="1">
+          <a:gsLst>
+            <a:gs pos="0">
+              <a:schemeClr val="phClr">
+                <a:lumMod val="110000"/>
+                <a:satMod val="105000"/>
+                <a:tint val="67000"/>
+              </a:schemeClr>
+            </a:gs>
+            <a:gs pos="50000">
+              <a:schemeClr val="phClr">
+                <a:lumMod val="105000"/>
+                <a:satMod val="103000"/>
+                <a:tint val="73000"/>
+              </a:schemeClr>
+            </a:gs>
+            <a:gs pos="100000">
+              <a:schemeClr val="phClr">
+                <a:lumMod val="105000"/>
+                <a:satMod val="109000"/>
+                <a:tint val="81000"/>
+              </a:schemeClr>
+            </a:gs>
+          </a:gsLst>
+          <a:lin ang="5400000" scaled="0"/>
+        </a:gradFill>
+        <a:gradFill rotWithShape="1">
+          <a:gsLst>
+            <a:gs pos="0">
+              <a:schemeClr val="phClr">
+                <a:satMod val="103000"/>
+                <a:lumMod val="102000"/>
+                <a:tint val="94000"/>
+              </a:schemeClr>
+            </a:gs>
+            <a:gs pos="50000">
+              <a:schemeClr val="phClr">
+                <a:satMod val="110000"/>
+                <a:lumMod val="100000"/>
+                <a:shade val="100000"/>
+              </a:schemeClr>
+            </a:gs>
+            <a:gs pos="100000">
+              <a:schemeClr val="phClr">
+                <a:lumMod val="99000"/>
+                <a:satMod val="120000"/>
+                <a:shade val="78000"/>
+              </a:schemeClr>
+            </a:gs>
+          </a:gsLst>
+          <a:lin ang="5400000" scaled="0"/>
+        </a:gradFill>
+      </a:fillStyleLst>
+      <a:lnStyleLst>
+        <a:ln w="6350" cap="flat" cmpd="sng" algn="ctr">
+          <a:solidFill>
+            <a:schemeClr val="phClr"/>
+          </a:solidFill>
+          <a:prstDash val="solid"/>
+          <a:miter lim="800000"/>
+        </a:ln>
+        <a:ln w="12700" cap="flat" cmpd="sng" algn="ctr">
+          <a:solidFill>
+            <a:schemeClr val="phClr"/>
+          </a:solidFill>
+          <a:prstDash val="solid"/>
+          <a:miter lim="800000"/>
+        </a:ln>
+        <a:ln w="19050" cap="flat" cmpd="sng" algn="ctr">
+          <a:solidFill>
+            <a:schemeClr val="phClr"/>
+          </a:solidFill>
+          <a:prstDash val="solid"/>
+          <a:miter lim="800000"/>
+        </a:ln>
+      </a:lnStyleLst>
+      <a:effectStyleLst>
+        <a:effectStyle>
+          <a:effectLst/>
+        </a:effectStyle>
+        <a:effectStyle>
+          <a:effectLst/>
+        </a:effectStyle>
+        <a:effectStyle>
+          <a:effectLst>
+            <a:outerShdw blurRad="57150" dist="19050" dir="5400000" algn="ctr" rotWithShape="0">
+              <a:srgbClr val="000000">
+                <a:alpha val="63000"/>
+              </a:srgbClr>
+            </a:outerShdw>
+          </a:effectLst>
+        </a:effectStyle>
+      </a:effectStyleLst>
+      <a:bgFillStyleLst>
+        <a:solidFill>
+          <a:schemeClr val="phClr"/>
+        </a:solidFill>
+        <a:solidFill>
+          <a:schemeClr val="phClr">
+            <a:tint val="95000"/>
+            <a:satMod val="170000"/>
+          </a:schemeClr>
+        </a:solidFill>
+        <a:gradFill rotWithShape="1">
+          <a:gsLst>
+            <a:gs pos="0">
+              <a:schemeClr val="phClr">
+                <a:tint val="93000"/>
+                <a:satMod val="150000"/>
+                <a:shade val="98000"/>
+                <a:lumMod val="102000"/>
+              </a:schemeClr>
+            </a:gs>
+            <a:gs pos="50000">
+              <a:schemeClr val="phClr">
+                <a:tint val="98000"/>
+                <a:satMod val="130000"/>
+                <a:shade val="90000"/>
+                <a:lumMod val="103000"/>
+              </a:schemeClr>
+            </a:gs>
+            <a:gs pos="100000">
+              <a:schemeClr val="phClr">
+                <a:shade val="63000"/>
+                <a:satMod val="120000"/>
+              </a:schemeClr>
+            </a:gs>
+          </a:gsLst>
+          <a:lin ang="5400000" scaled="0"/>
+        </a:gradFill>
+      </a:bgFillStyleLst>
+    </a:fmtScheme>
+  </a:themeElements>
+  <a:objectDefaults/>
+  <a:extraClrSchemeLst/>
+  <a:extLst>
+    <a:ext uri="{05A4C25C-085E-4340-85A3-A5531E510DB2}">
+      <thm15:themeFamily xmlns:thm15="http://schemas.microsoft.com/office/thememl/2012/main" name="Office Theme" id="{62F939B6-93AF-4DB8-9C6B-D6C7DFDC589F}" vid="{4A3C46E8-61CC-4603-A589-7422A47A8E4A}"/>
+    </a:ext>
+  </a:extLst>
+</a:theme>
 </file>
--- a/HACKBD-presentation.pptx
+++ b/HACKBD-presentation.pptx
@@ -3893,222 +3893,6 @@
   <p:clrMapOvr>
     <a:masterClrMapping/>
   </p:clrMapOvr>
-  <p:timing>
-    <p:tnLst>
-      <p:par>
-        <p:cTn id="1" dur="indefinite" restart="never" nodeType="tmRoot">
-          <p:childTnLst>
-            <p:seq concurrent="1" nextAc="seek">
-              <p:cTn id="2" dur="indefinite" nodeType="mainSeq">
-                <p:childTnLst>
-                  <p:par>
-                    <p:cTn id="3" fill="hold">
-                      <p:stCondLst>
-                        <p:cond delay="indefinite"/>
-                      </p:stCondLst>
-                      <p:childTnLst>
-                        <p:par>
-                          <p:cTn id="4" fill="hold">
-                            <p:stCondLst>
-                              <p:cond delay="0"/>
-                            </p:stCondLst>
-                            <p:childTnLst>
-                              <p:par>
-                                <p:cTn id="5" presetID="1" presetClass="entr" presetSubtype="0" fill="hold" grpId="0" nodeType="clickEffect">
-                                  <p:stCondLst>
-                                    <p:cond delay="0"/>
-                                  </p:stCondLst>
-                                  <p:childTnLst>
-                                    <p:set>
-                                      <p:cBhvr>
-                                        <p:cTn id="6" dur="1" fill="hold">
-                                          <p:stCondLst>
-                                            <p:cond delay="0"/>
-                                          </p:stCondLst>
-                                        </p:cTn>
-                                        <p:tgtEl>
-                                          <p:spTgt spid="9"/>
-                                        </p:tgtEl>
-                                        <p:attrNameLst>
-                                          <p:attrName>style.visibility</p:attrName>
-                                        </p:attrNameLst>
-                                      </p:cBhvr>
-                                      <p:to>
-                                        <p:strVal val="visible"/>
-                                      </p:to>
-                                    </p:set>
-                                  </p:childTnLst>
-                                </p:cTn>
-                              </p:par>
-                            </p:childTnLst>
-                          </p:cTn>
-                        </p:par>
-                      </p:childTnLst>
-                    </p:cTn>
-                  </p:par>
-                  <p:par>
-                    <p:cTn id="7" fill="hold">
-                      <p:stCondLst>
-                        <p:cond delay="indefinite"/>
-                      </p:stCondLst>
-                      <p:childTnLst>
-                        <p:par>
-                          <p:cTn id="8" fill="hold">
-                            <p:stCondLst>
-                              <p:cond delay="0"/>
-                            </p:stCondLst>
-                            <p:childTnLst>
-                              <p:par>
-                                <p:cTn id="9" presetID="1" presetClass="entr" presetSubtype="0" fill="hold" grpId="0" nodeType="clickEffect">
-                                  <p:stCondLst>
-                                    <p:cond delay="0"/>
-                                  </p:stCondLst>
-                                  <p:childTnLst>
-                                    <p:set>
-                                      <p:cBhvr>
-                                        <p:cTn id="10" dur="1" fill="hold">
-                                          <p:stCondLst>
-                                            <p:cond delay="0"/>
-                                          </p:stCondLst>
-                                        </p:cTn>
-                                        <p:tgtEl>
-                                          <p:spTgt spid="12"/>
-                                        </p:tgtEl>
-                                        <p:attrNameLst>
-                                          <p:attrName>style.visibility</p:attrName>
-                                        </p:attrNameLst>
-                                      </p:cBhvr>
-                                      <p:to>
-                                        <p:strVal val="visible"/>
-                                      </p:to>
-                                    </p:set>
-                                  </p:childTnLst>
-                                </p:cTn>
-                              </p:par>
-                            </p:childTnLst>
-                          </p:cTn>
-                        </p:par>
-                      </p:childTnLst>
-                    </p:cTn>
-                  </p:par>
-                  <p:par>
-                    <p:cTn id="11" fill="hold">
-                      <p:stCondLst>
-                        <p:cond delay="indefinite"/>
-                      </p:stCondLst>
-                      <p:childTnLst>
-                        <p:par>
-                          <p:cTn id="12" fill="hold">
-                            <p:stCondLst>
-                              <p:cond delay="0"/>
-                            </p:stCondLst>
-                            <p:childTnLst>
-                              <p:par>
-                                <p:cTn id="13" presetID="1" presetClass="entr" presetSubtype="0" fill="hold" grpId="0" nodeType="clickEffect">
-                                  <p:stCondLst>
-                                    <p:cond delay="0"/>
-                                  </p:stCondLst>
-                                  <p:childTnLst>
-                                    <p:set>
-                                      <p:cBhvr>
-                                        <p:cTn id="14" dur="1" fill="hold">
-                                          <p:stCondLst>
-                                            <p:cond delay="0"/>
-                                          </p:stCondLst>
-                                        </p:cTn>
-                                        <p:tgtEl>
-                                          <p:spTgt spid="14"/>
-                                        </p:tgtEl>
-                                        <p:attrNameLst>
-                                          <p:attrName>style.visibility</p:attrName>
-                                        </p:attrNameLst>
-                                      </p:cBhvr>
-                                      <p:to>
-                                        <p:strVal val="visible"/>
-                                      </p:to>
-                                    </p:set>
-                                  </p:childTnLst>
-                                </p:cTn>
-                              </p:par>
-                            </p:childTnLst>
-                          </p:cTn>
-                        </p:par>
-                      </p:childTnLst>
-                    </p:cTn>
-                  </p:par>
-                  <p:par>
-                    <p:cTn id="15" fill="hold">
-                      <p:stCondLst>
-                        <p:cond delay="indefinite"/>
-                      </p:stCondLst>
-                      <p:childTnLst>
-                        <p:par>
-                          <p:cTn id="16" fill="hold">
-                            <p:stCondLst>
-                              <p:cond delay="0"/>
-                            </p:stCondLst>
-                            <p:childTnLst>
-                              <p:par>
-                                <p:cTn id="17" presetID="1" presetClass="entr" presetSubtype="0" fill="hold" grpId="0" nodeType="clickEffect">
-                                  <p:stCondLst>
-                                    <p:cond delay="0"/>
-                                  </p:stCondLst>
-                                  <p:childTnLst>
-                                    <p:set>
-                                      <p:cBhvr>
-                                        <p:cTn id="18" dur="1" fill="hold">
-                                          <p:stCondLst>
-                                            <p:cond delay="0"/>
-                                          </p:stCondLst>
-                                        </p:cTn>
-                                        <p:tgtEl>
-                                          <p:spTgt spid="8"/>
-                                        </p:tgtEl>
-                                        <p:attrNameLst>
-                                          <p:attrName>style.visibility</p:attrName>
-                                        </p:attrNameLst>
-                                      </p:cBhvr>
-                                      <p:to>
-                                        <p:strVal val="visible"/>
-                                      </p:to>
-                                    </p:set>
-                                  </p:childTnLst>
-                                </p:cTn>
-                              </p:par>
-                            </p:childTnLst>
-                          </p:cTn>
-                        </p:par>
-                      </p:childTnLst>
-                    </p:cTn>
-                  </p:par>
-                </p:childTnLst>
-              </p:cTn>
-              <p:prevCondLst>
-                <p:cond evt="onPrev" delay="0">
-                  <p:tgtEl>
-                    <p:sldTgt/>
-                  </p:tgtEl>
-                </p:cond>
-              </p:prevCondLst>
-              <p:nextCondLst>
-                <p:cond evt="onNext" delay="0">
-                  <p:tgtEl>
-                    <p:sldTgt/>
-                  </p:tgtEl>
-                </p:cond>
-              </p:nextCondLst>
-            </p:seq>
-          </p:childTnLst>
-        </p:cTn>
-      </p:par>
-    </p:tnLst>
-    <p:bldLst>
-      <p:bldP spid="9" grpId="0"/>
-      <p:bldP spid="12" grpId="0"/>
-      <p:bldP spid="14" grpId="0"/>
-      <p:bldP spid="8" grpId="0"/>
-    </p:bldLst>
-  </p:timing>
 </p:sld>
 </file>
 
@@ -4434,267 +4218,6 @@
   <p:clrMapOvr>
     <a:masterClrMapping/>
   </p:clrMapOvr>
-  <p:timing>
-    <p:tnLst>
-      <p:par>
-        <p:cTn id="1" dur="indefinite" restart="never" nodeType="tmRoot">
-          <p:childTnLst>
-            <p:seq concurrent="1" nextAc="seek">
-              <p:cTn id="2" dur="indefinite" nodeType="mainSeq">
-                <p:childTnLst>
-                  <p:par>
-                    <p:cTn id="3" fill="hold">
-                      <p:stCondLst>
-                        <p:cond delay="indefinite"/>
-                      </p:stCondLst>
-                      <p:childTnLst>
-                        <p:par>
-                          <p:cTn id="4" fill="hold">
-                            <p:stCondLst>
-                              <p:cond delay="0"/>
-                            </p:stCondLst>
-                            <p:childTnLst>
-                              <p:par>
-                                <p:cTn id="5" presetID="1" presetClass="entr" presetSubtype="0" fill="hold" grpId="0" nodeType="clickEffect">
-                                  <p:stCondLst>
-                                    <p:cond delay="0"/>
-                                  </p:stCondLst>
-                                  <p:childTnLst>
-                                    <p:set>
-                                      <p:cBhvr>
-                                        <p:cTn id="6" dur="1" fill="hold">
-                                          <p:stCondLst>
-                                            <p:cond delay="0"/>
-                                          </p:stCondLst>
-                                        </p:cTn>
-                                        <p:tgtEl>
-                                          <p:spTgt spid="9"/>
-                                        </p:tgtEl>
-                                        <p:attrNameLst>
-                                          <p:attrName>style.visibility</p:attrName>
-                                        </p:attrNameLst>
-                                      </p:cBhvr>
-                                      <p:to>
-                                        <p:strVal val="visible"/>
-                                      </p:to>
-                                    </p:set>
-                                  </p:childTnLst>
-                                </p:cTn>
-                              </p:par>
-                            </p:childTnLst>
-                          </p:cTn>
-                        </p:par>
-                      </p:childTnLst>
-                    </p:cTn>
-                  </p:par>
-                  <p:par>
-                    <p:cTn id="7" fill="hold">
-                      <p:stCondLst>
-                        <p:cond delay="indefinite"/>
-                      </p:stCondLst>
-                      <p:childTnLst>
-                        <p:par>
-                          <p:cTn id="8" fill="hold">
-                            <p:stCondLst>
-                              <p:cond delay="0"/>
-                            </p:stCondLst>
-                            <p:childTnLst>
-                              <p:par>
-                                <p:cTn id="9" presetID="1" presetClass="entr" presetSubtype="0" fill="hold" nodeType="clickEffect">
-                                  <p:stCondLst>
-                                    <p:cond delay="0"/>
-                                  </p:stCondLst>
-                                  <p:childTnLst>
-                                    <p:set>
-                                      <p:cBhvr>
-                                        <p:cTn id="10" dur="1" fill="hold">
-                                          <p:stCondLst>
-                                            <p:cond delay="0"/>
-                                          </p:stCondLst>
-                                        </p:cTn>
-                                        <p:tgtEl>
-                                          <p:spTgt spid="3"/>
-                                        </p:tgtEl>
-                                        <p:attrNameLst>
-                                          <p:attrName>style.visibility</p:attrName>
-                                        </p:attrNameLst>
-                                      </p:cBhvr>
-                                      <p:to>
-                                        <p:strVal val="visible"/>
-                                      </p:to>
-                                    </p:set>
-                                  </p:childTnLst>
-                                </p:cTn>
-                              </p:par>
-                            </p:childTnLst>
-                          </p:cTn>
-                        </p:par>
-                      </p:childTnLst>
-                    </p:cTn>
-                  </p:par>
-                  <p:par>
-                    <p:cTn id="11" fill="hold">
-                      <p:stCondLst>
-                        <p:cond delay="indefinite"/>
-                      </p:stCondLst>
-                      <p:childTnLst>
-                        <p:par>
-                          <p:cTn id="12" fill="hold">
-                            <p:stCondLst>
-                              <p:cond delay="0"/>
-                            </p:stCondLst>
-                            <p:childTnLst>
-                              <p:par>
-                                <p:cTn id="13" presetID="1" presetClass="entr" presetSubtype="0" fill="hold" grpId="0" nodeType="clickEffect">
-                                  <p:stCondLst>
-                                    <p:cond delay="0"/>
-                                  </p:stCondLst>
-                                  <p:childTnLst>
-                                    <p:set>
-                                      <p:cBhvr>
-                                        <p:cTn id="14" dur="1" fill="hold">
-                                          <p:stCondLst>
-                                            <p:cond delay="0"/>
-                                          </p:stCondLst>
-                                        </p:cTn>
-                                        <p:tgtEl>
-                                          <p:spTgt spid="12"/>
-                                        </p:tgtEl>
-                                        <p:attrNameLst>
-                                          <p:attrName>style.visibility</p:attrName>
-                                        </p:attrNameLst>
-                                      </p:cBhvr>
-                                      <p:to>
-                                        <p:strVal val="visible"/>
-                                      </p:to>
-                                    </p:set>
-                                  </p:childTnLst>
-                                </p:cTn>
-                              </p:par>
-                            </p:childTnLst>
-                          </p:cTn>
-                        </p:par>
-                      </p:childTnLst>
-                    </p:cTn>
-                  </p:par>
-                  <p:par>
-                    <p:cTn id="15" fill="hold">
-                      <p:stCondLst>
-                        <p:cond delay="indefinite"/>
-                      </p:stCondLst>
-                      <p:childTnLst>
-                        <p:par>
-                          <p:cTn id="16" fill="hold">
-                            <p:stCondLst>
-                              <p:cond delay="0"/>
-                            </p:stCondLst>
-                            <p:childTnLst>
-                              <p:par>
-                                <p:cTn id="17" presetID="1" presetClass="entr" presetSubtype="0" fill="hold" grpId="0" nodeType="clickEffect">
-                                  <p:stCondLst>
-                                    <p:cond delay="0"/>
-                                  </p:stCondLst>
-                                  <p:childTnLst>
-                                    <p:set>
-                                      <p:cBhvr>
-                                        <p:cTn id="18" dur="1" fill="hold">
-                                          <p:stCondLst>
-                                            <p:cond delay="0"/>
-                                          </p:stCondLst>
-                                        </p:cTn>
-                                        <p:tgtEl>
-                                          <p:spTgt spid="14"/>
-                                        </p:tgtEl>
-                                        <p:attrNameLst>
-                                          <p:attrName>style.visibility</p:attrName>
-                                        </p:attrNameLst>
-                                      </p:cBhvr>
-                                      <p:to>
-                                        <p:strVal val="visible"/>
-                                      </p:to>
-                                    </p:set>
-                                  </p:childTnLst>
-                                </p:cTn>
-                              </p:par>
-                            </p:childTnLst>
-                          </p:cTn>
-                        </p:par>
-                      </p:childTnLst>
-                    </p:cTn>
-                  </p:par>
-                  <p:par>
-                    <p:cTn id="19" fill="hold">
-                      <p:stCondLst>
-                        <p:cond delay="indefinite"/>
-                      </p:stCondLst>
-                      <p:childTnLst>
-                        <p:par>
-                          <p:cTn id="20" fill="hold">
-                            <p:stCondLst>
-                              <p:cond delay="0"/>
-                            </p:stCondLst>
-                            <p:childTnLst>
-                              <p:par>
-                                <p:cTn id="21" presetID="1" presetClass="entr" presetSubtype="0" fill="hold" grpId="0" nodeType="clickEffect">
-                                  <p:stCondLst>
-                                    <p:cond delay="0"/>
-                                  </p:stCondLst>
-                                  <p:childTnLst>
-                                    <p:set>
-                                      <p:cBhvr>
-                                        <p:cTn id="22" dur="1" fill="hold">
-                                          <p:stCondLst>
-                                            <p:cond delay="0"/>
-                                          </p:stCondLst>
-                                        </p:cTn>
-                                        <p:tgtEl>
-                                          <p:spTgt spid="8"/>
-                                        </p:tgtEl>
-                                        <p:attrNameLst>
-                                          <p:attrName>style.visibility</p:attrName>
-                                        </p:attrNameLst>
-                                      </p:cBhvr>
-                                      <p:to>
-                                        <p:strVal val="visible"/>
-                                      </p:to>
-                                    </p:set>
-                                  </p:childTnLst>
-                                </p:cTn>
-                              </p:par>
-                            </p:childTnLst>
-                          </p:cTn>
-                        </p:par>
-                      </p:childTnLst>
-                    </p:cTn>
-                  </p:par>
-                </p:childTnLst>
-              </p:cTn>
-              <p:prevCondLst>
-                <p:cond evt="onPrev" delay="0">
-                  <p:tgtEl>
-                    <p:sldTgt/>
-                  </p:tgtEl>
-                </p:cond>
-              </p:prevCondLst>
-              <p:nextCondLst>
-                <p:cond evt="onNext" delay="0">
-                  <p:tgtEl>
-                    <p:sldTgt/>
-                  </p:tgtEl>
-                </p:cond>
-              </p:nextCondLst>
-            </p:seq>
-          </p:childTnLst>
-        </p:cTn>
-      </p:par>
-    </p:tnLst>
-    <p:bldLst>
-      <p:bldP spid="9" grpId="0"/>
-      <p:bldP spid="12" grpId="0"/>
-      <p:bldP spid="14" grpId="0"/>
-      <p:bldP spid="8" grpId="0"/>
-    </p:bldLst>
-  </p:timing>
 </p:sld>
 </file>
 
@@ -5062,314 +4585,6 @@
   <p:clrMapOvr>
     <a:masterClrMapping/>
   </p:clrMapOvr>
-  <p:timing>
-    <p:tnLst>
-      <p:par>
-        <p:cTn id="1" dur="indefinite" restart="never" nodeType="tmRoot">
-          <p:childTnLst>
-            <p:seq concurrent="1" nextAc="seek">
-              <p:cTn id="2" dur="indefinite" nodeType="mainSeq">
-                <p:childTnLst>
-                  <p:par>
-                    <p:cTn id="3" fill="hold">
-                      <p:stCondLst>
-                        <p:cond delay="indefinite"/>
-                      </p:stCondLst>
-                      <p:childTnLst>
-                        <p:par>
-                          <p:cTn id="4" fill="hold">
-                            <p:stCondLst>
-                              <p:cond delay="0"/>
-                            </p:stCondLst>
-                            <p:childTnLst>
-                              <p:par>
-                                <p:cTn id="5" presetID="1" presetClass="entr" presetSubtype="0" fill="hold" grpId="0" nodeType="clickEffect">
-                                  <p:stCondLst>
-                                    <p:cond delay="0"/>
-                                  </p:stCondLst>
-                                  <p:childTnLst>
-                                    <p:set>
-                                      <p:cBhvr>
-                                        <p:cTn id="6" dur="1" fill="hold">
-                                          <p:stCondLst>
-                                            <p:cond delay="0"/>
-                                          </p:stCondLst>
-                                        </p:cTn>
-                                        <p:tgtEl>
-                                          <p:spTgt spid="9"/>
-                                        </p:tgtEl>
-                                        <p:attrNameLst>
-                                          <p:attrName>style.visibility</p:attrName>
-                                        </p:attrNameLst>
-                                      </p:cBhvr>
-                                      <p:to>
-                                        <p:strVal val="visible"/>
-                                      </p:to>
-                                    </p:set>
-                                  </p:childTnLst>
-                                </p:cTn>
-                              </p:par>
-                            </p:childTnLst>
-                          </p:cTn>
-                        </p:par>
-                      </p:childTnLst>
-                    </p:cTn>
-                  </p:par>
-                  <p:par>
-                    <p:cTn id="7" fill="hold">
-                      <p:stCondLst>
-                        <p:cond delay="indefinite"/>
-                      </p:stCondLst>
-                      <p:childTnLst>
-                        <p:par>
-                          <p:cTn id="8" fill="hold">
-                            <p:stCondLst>
-                              <p:cond delay="0"/>
-                            </p:stCondLst>
-                            <p:childTnLst>
-                              <p:par>
-                                <p:cTn id="9" presetID="1" presetClass="entr" presetSubtype="0" fill="hold" grpId="0" nodeType="clickEffect">
-                                  <p:stCondLst>
-                                    <p:cond delay="0"/>
-                                  </p:stCondLst>
-                                  <p:childTnLst>
-                                    <p:set>
-                                      <p:cBhvr>
-                                        <p:cTn id="10" dur="1" fill="hold">
-                                          <p:stCondLst>
-                                            <p:cond delay="0"/>
-                                          </p:stCondLst>
-                                        </p:cTn>
-                                        <p:tgtEl>
-                                          <p:spTgt spid="12"/>
-                                        </p:tgtEl>
-                                        <p:attrNameLst>
-                                          <p:attrName>style.visibility</p:attrName>
-                                        </p:attrNameLst>
-                                      </p:cBhvr>
-                                      <p:to>
-                                        <p:strVal val="visible"/>
-                                      </p:to>
-                                    </p:set>
-                                  </p:childTnLst>
-                                </p:cTn>
-                              </p:par>
-                            </p:childTnLst>
-                          </p:cTn>
-                        </p:par>
-                      </p:childTnLst>
-                    </p:cTn>
-                  </p:par>
-                  <p:par>
-                    <p:cTn id="11" fill="hold">
-                      <p:stCondLst>
-                        <p:cond delay="indefinite"/>
-                      </p:stCondLst>
-                      <p:childTnLst>
-                        <p:par>
-                          <p:cTn id="12" fill="hold">
-                            <p:stCondLst>
-                              <p:cond delay="0"/>
-                            </p:stCondLst>
-                            <p:childTnLst>
-                              <p:par>
-                                <p:cTn id="13" presetID="1" presetClass="entr" presetSubtype="0" fill="hold" grpId="0" nodeType="clickEffect">
-                                  <p:stCondLst>
-                                    <p:cond delay="0"/>
-                                  </p:stCondLst>
-                                  <p:childTnLst>
-                                    <p:set>
-                                      <p:cBhvr>
-                                        <p:cTn id="14" dur="1" fill="hold">
-                                          <p:stCondLst>
-                                            <p:cond delay="0"/>
-                                          </p:stCondLst>
-                                        </p:cTn>
-                                        <p:tgtEl>
-                                          <p:spTgt spid="14"/>
-                                        </p:tgtEl>
-                                        <p:attrNameLst>
-                                          <p:attrName>style.visibility</p:attrName>
-                                        </p:attrNameLst>
-                                      </p:cBhvr>
-                                      <p:to>
-                                        <p:strVal val="visible"/>
-                                      </p:to>
-                                    </p:set>
-                                  </p:childTnLst>
-                                </p:cTn>
-                              </p:par>
-                            </p:childTnLst>
-                          </p:cTn>
-                        </p:par>
-                      </p:childTnLst>
-                    </p:cTn>
-                  </p:par>
-                  <p:par>
-                    <p:cTn id="15" fill="hold">
-                      <p:stCondLst>
-                        <p:cond delay="indefinite"/>
-                      </p:stCondLst>
-                      <p:childTnLst>
-                        <p:par>
-                          <p:cTn id="16" fill="hold">
-                            <p:stCondLst>
-                              <p:cond delay="0"/>
-                            </p:stCondLst>
-                            <p:childTnLst>
-                              <p:par>
-                                <p:cTn id="17" presetID="1" presetClass="entr" presetSubtype="0" fill="hold" grpId="0" nodeType="clickEffect">
-                                  <p:stCondLst>
-                                    <p:cond delay="0"/>
-                                  </p:stCondLst>
-                                  <p:childTnLst>
-                                    <p:set>
-                                      <p:cBhvr>
-                                        <p:cTn id="18" dur="1" fill="hold">
-                                          <p:stCondLst>
-                                            <p:cond delay="0"/>
-                                          </p:stCondLst>
-                                        </p:cTn>
-                                        <p:tgtEl>
-                                          <p:spTgt spid="10"/>
-                                        </p:tgtEl>
-                                        <p:attrNameLst>
-                                          <p:attrName>style.visibility</p:attrName>
-                                        </p:attrNameLst>
-                                      </p:cBhvr>
-                                      <p:to>
-                                        <p:strVal val="visible"/>
-                                      </p:to>
-                                    </p:set>
-                                  </p:childTnLst>
-                                </p:cTn>
-                              </p:par>
-                            </p:childTnLst>
-                          </p:cTn>
-                        </p:par>
-                      </p:childTnLst>
-                    </p:cTn>
-                  </p:par>
-                  <p:par>
-                    <p:cTn id="19" fill="hold">
-                      <p:stCondLst>
-                        <p:cond delay="indefinite"/>
-                      </p:stCondLst>
-                      <p:childTnLst>
-                        <p:par>
-                          <p:cTn id="20" fill="hold">
-                            <p:stCondLst>
-                              <p:cond delay="0"/>
-                            </p:stCondLst>
-                            <p:childTnLst>
-                              <p:par>
-                                <p:cTn id="21" presetID="1" presetClass="entr" presetSubtype="0" fill="hold" grpId="0" nodeType="clickEffect">
-                                  <p:stCondLst>
-                                    <p:cond delay="0"/>
-                                  </p:stCondLst>
-                                  <p:childTnLst>
-                                    <p:set>
-                                      <p:cBhvr>
-                                        <p:cTn id="22" dur="1" fill="hold">
-                                          <p:stCondLst>
-                                            <p:cond delay="0"/>
-                                          </p:stCondLst>
-                                        </p:cTn>
-                                        <p:tgtEl>
-                                          <p:spTgt spid="8"/>
-                                        </p:tgtEl>
-                                        <p:attrNameLst>
-                                          <p:attrName>style.visibility</p:attrName>
-                                        </p:attrNameLst>
-                                      </p:cBhvr>
-                                      <p:to>
-                                        <p:strVal val="visible"/>
-                                      </p:to>
-                                    </p:set>
-                                  </p:childTnLst>
-                                </p:cTn>
-                              </p:par>
-                            </p:childTnLst>
-                          </p:cTn>
-                        </p:par>
-                      </p:childTnLst>
-                    </p:cTn>
-                  </p:par>
-                  <p:par>
-                    <p:cTn id="23" fill="hold">
-                      <p:stCondLst>
-                        <p:cond delay="indefinite"/>
-                      </p:stCondLst>
-                      <p:childTnLst>
-                        <p:par>
-                          <p:cTn id="24" fill="hold">
-                            <p:stCondLst>
-                              <p:cond delay="0"/>
-                            </p:stCondLst>
-                            <p:childTnLst>
-                              <p:par>
-                                <p:cTn id="25" presetID="1" presetClass="entr" presetSubtype="0" fill="hold" grpId="0" nodeType="clickEffect">
-                                  <p:stCondLst>
-                                    <p:cond delay="0"/>
-                                  </p:stCondLst>
-                                  <p:childTnLst>
-                                    <p:set>
-                                      <p:cBhvr>
-                                        <p:cTn id="26" dur="1" fill="hold">
-                                          <p:stCondLst>
-                                            <p:cond delay="0"/>
-                                          </p:stCondLst>
-                                        </p:cTn>
-                                        <p:tgtEl>
-                                          <p:spTgt spid="11"/>
-                                        </p:tgtEl>
-                                        <p:attrNameLst>
-                                          <p:attrName>style.visibility</p:attrName>
-                                        </p:attrNameLst>
-                                      </p:cBhvr>
-                                      <p:to>
-                                        <p:strVal val="visible"/>
-                                      </p:to>
-                                    </p:set>
-                                  </p:childTnLst>
-                                </p:cTn>
-                              </p:par>
-                            </p:childTnLst>
-                          </p:cTn>
-                        </p:par>
-                      </p:childTnLst>
-                    </p:cTn>
-                  </p:par>
-                </p:childTnLst>
-              </p:cTn>
-              <p:prevCondLst>
-                <p:cond evt="onPrev" delay="0">
-                  <p:tgtEl>
-                    <p:sldTgt/>
-                  </p:tgtEl>
-                </p:cond>
-              </p:prevCondLst>
-              <p:nextCondLst>
-                <p:cond evt="onNext" delay="0">
-                  <p:tgtEl>
-                    <p:sldTgt/>
-                  </p:tgtEl>
-                </p:cond>
-              </p:nextCondLst>
-            </p:seq>
-          </p:childTnLst>
-        </p:cTn>
-      </p:par>
-    </p:tnLst>
-    <p:bldLst>
-      <p:bldP spid="9" grpId="0"/>
-      <p:bldP spid="12" grpId="0"/>
-      <p:bldP spid="14" grpId="0"/>
-      <p:bldP spid="8" grpId="0"/>
-      <p:bldP spid="10" grpId="0"/>
-      <p:bldP spid="11" grpId="0"/>
-    </p:bldLst>
-  </p:timing>
 </p:sld>
 </file>
 
@@ -5701,268 +4916,6 @@
   <p:clrMapOvr>
     <a:masterClrMapping/>
   </p:clrMapOvr>
-  <p:timing>
-    <p:tnLst>
-      <p:par>
-        <p:cTn id="1" dur="indefinite" restart="never" nodeType="tmRoot">
-          <p:childTnLst>
-            <p:seq concurrent="1" nextAc="seek">
-              <p:cTn id="2" dur="indefinite" nodeType="mainSeq">
-                <p:childTnLst>
-                  <p:par>
-                    <p:cTn id="3" fill="hold">
-                      <p:stCondLst>
-                        <p:cond delay="indefinite"/>
-                      </p:stCondLst>
-                      <p:childTnLst>
-                        <p:par>
-                          <p:cTn id="4" fill="hold">
-                            <p:stCondLst>
-                              <p:cond delay="0"/>
-                            </p:stCondLst>
-                            <p:childTnLst>
-                              <p:par>
-                                <p:cTn id="5" presetID="1" presetClass="entr" presetSubtype="0" fill="hold" grpId="0" nodeType="clickEffect">
-                                  <p:stCondLst>
-                                    <p:cond delay="0"/>
-                                  </p:stCondLst>
-                                  <p:childTnLst>
-                                    <p:set>
-                                      <p:cBhvr>
-                                        <p:cTn id="6" dur="1" fill="hold">
-                                          <p:stCondLst>
-                                            <p:cond delay="0"/>
-                                          </p:stCondLst>
-                                        </p:cTn>
-                                        <p:tgtEl>
-                                          <p:spTgt spid="9"/>
-                                        </p:tgtEl>
-                                        <p:attrNameLst>
-                                          <p:attrName>style.visibility</p:attrName>
-                                        </p:attrNameLst>
-                                      </p:cBhvr>
-                                      <p:to>
-                                        <p:strVal val="visible"/>
-                                      </p:to>
-                                    </p:set>
-                                  </p:childTnLst>
-                                </p:cTn>
-                              </p:par>
-                            </p:childTnLst>
-                          </p:cTn>
-                        </p:par>
-                      </p:childTnLst>
-                    </p:cTn>
-                  </p:par>
-                  <p:par>
-                    <p:cTn id="7" fill="hold">
-                      <p:stCondLst>
-                        <p:cond delay="indefinite"/>
-                      </p:stCondLst>
-                      <p:childTnLst>
-                        <p:par>
-                          <p:cTn id="8" fill="hold">
-                            <p:stCondLst>
-                              <p:cond delay="0"/>
-                            </p:stCondLst>
-                            <p:childTnLst>
-                              <p:par>
-                                <p:cTn id="9" presetID="1" presetClass="entr" presetSubtype="0" fill="hold" grpId="0" nodeType="clickEffect">
-                                  <p:stCondLst>
-                                    <p:cond delay="0"/>
-                                  </p:stCondLst>
-                                  <p:childTnLst>
-                                    <p:set>
-                                      <p:cBhvr>
-                                        <p:cTn id="10" dur="1" fill="hold">
-                                          <p:stCondLst>
-                                            <p:cond delay="0"/>
-                                          </p:stCondLst>
-                                        </p:cTn>
-                                        <p:tgtEl>
-                                          <p:spTgt spid="12"/>
-                                        </p:tgtEl>
-                                        <p:attrNameLst>
-                                          <p:attrName>style.visibility</p:attrName>
-                                        </p:attrNameLst>
-                                      </p:cBhvr>
-                                      <p:to>
-                                        <p:strVal val="visible"/>
-                                      </p:to>
-                                    </p:set>
-                                  </p:childTnLst>
-                                </p:cTn>
-                              </p:par>
-                            </p:childTnLst>
-                          </p:cTn>
-                        </p:par>
-                      </p:childTnLst>
-                    </p:cTn>
-                  </p:par>
-                  <p:par>
-                    <p:cTn id="11" fill="hold">
-                      <p:stCondLst>
-                        <p:cond delay="indefinite"/>
-                      </p:stCondLst>
-                      <p:childTnLst>
-                        <p:par>
-                          <p:cTn id="12" fill="hold">
-                            <p:stCondLst>
-                              <p:cond delay="0"/>
-                            </p:stCondLst>
-                            <p:childTnLst>
-                              <p:par>
-                                <p:cTn id="13" presetID="1" presetClass="entr" presetSubtype="0" fill="hold" grpId="0" nodeType="clickEffect">
-                                  <p:stCondLst>
-                                    <p:cond delay="0"/>
-                                  </p:stCondLst>
-                                  <p:childTnLst>
-                                    <p:set>
-                                      <p:cBhvr>
-                                        <p:cTn id="14" dur="1" fill="hold">
-                                          <p:stCondLst>
-                                            <p:cond delay="0"/>
-                                          </p:stCondLst>
-                                        </p:cTn>
-                                        <p:tgtEl>
-                                          <p:spTgt spid="8"/>
-                                        </p:tgtEl>
-                                        <p:attrNameLst>
-                                          <p:attrName>style.visibility</p:attrName>
-                                        </p:attrNameLst>
-                                      </p:cBhvr>
-                                      <p:to>
-                                        <p:strVal val="visible"/>
-                                      </p:to>
-                                    </p:set>
-                                  </p:childTnLst>
-                                </p:cTn>
-                              </p:par>
-                            </p:childTnLst>
-                          </p:cTn>
-                        </p:par>
-                      </p:childTnLst>
-                    </p:cTn>
-                  </p:par>
-                  <p:par>
-                    <p:cTn id="15" fill="hold">
-                      <p:stCondLst>
-                        <p:cond delay="indefinite"/>
-                      </p:stCondLst>
-                      <p:childTnLst>
-                        <p:par>
-                          <p:cTn id="16" fill="hold">
-                            <p:stCondLst>
-                              <p:cond delay="0"/>
-                            </p:stCondLst>
-                            <p:childTnLst>
-                              <p:par>
-                                <p:cTn id="17" presetID="1" presetClass="entr" presetSubtype="0" fill="hold" grpId="0" nodeType="clickEffect">
-                                  <p:stCondLst>
-                                    <p:cond delay="0"/>
-                                  </p:stCondLst>
-                                  <p:childTnLst>
-                                    <p:set>
-                                      <p:cBhvr>
-                                        <p:cTn id="18" dur="1" fill="hold">
-                                          <p:stCondLst>
-                                            <p:cond delay="0"/>
-                                          </p:stCondLst>
-                                        </p:cTn>
-                                        <p:tgtEl>
-                                          <p:spTgt spid="14"/>
-                                        </p:tgtEl>
-                                        <p:attrNameLst>
-                                          <p:attrName>style.visibility</p:attrName>
-                                        </p:attrNameLst>
-                                      </p:cBhvr>
-                                      <p:to>
-                                        <p:strVal val="visible"/>
-                                      </p:to>
-                                    </p:set>
-                                  </p:childTnLst>
-                                </p:cTn>
-                              </p:par>
-                            </p:childTnLst>
-                          </p:cTn>
-                        </p:par>
-                      </p:childTnLst>
-                    </p:cTn>
-                  </p:par>
-                  <p:par>
-                    <p:cTn id="19" fill="hold">
-                      <p:stCondLst>
-                        <p:cond delay="indefinite"/>
-                      </p:stCondLst>
-                      <p:childTnLst>
-                        <p:par>
-                          <p:cTn id="20" fill="hold">
-                            <p:stCondLst>
-                              <p:cond delay="0"/>
-                            </p:stCondLst>
-                            <p:childTnLst>
-                              <p:par>
-                                <p:cTn id="21" presetID="1" presetClass="entr" presetSubtype="0" fill="hold" grpId="0" nodeType="clickEffect">
-                                  <p:stCondLst>
-                                    <p:cond delay="0"/>
-                                  </p:stCondLst>
-                                  <p:childTnLst>
-                                    <p:set>
-                                      <p:cBhvr>
-                                        <p:cTn id="22" dur="1" fill="hold">
-                                          <p:stCondLst>
-                                            <p:cond delay="0"/>
-                                          </p:stCondLst>
-                                        </p:cTn>
-                                        <p:tgtEl>
-                                          <p:spTgt spid="10"/>
-                                        </p:tgtEl>
-                                        <p:attrNameLst>
-                                          <p:attrName>style.visibility</p:attrName>
-                                        </p:attrNameLst>
-                                      </p:cBhvr>
-                                      <p:to>
-                                        <p:strVal val="visible"/>
-                                      </p:to>
-                                    </p:set>
-                                  </p:childTnLst>
-                                </p:cTn>
-                              </p:par>
-                            </p:childTnLst>
-                          </p:cTn>
-                        </p:par>
-                      </p:childTnLst>
-                    </p:cTn>
-                  </p:par>
-                </p:childTnLst>
-              </p:cTn>
-              <p:prevCondLst>
-                <p:cond evt="onPrev" delay="0">
-                  <p:tgtEl>
-                    <p:sldTgt/>
-                  </p:tgtEl>
-                </p:cond>
-              </p:prevCondLst>
-              <p:nextCondLst>
-                <p:cond evt="onNext" delay="0">
-                  <p:tgtEl>
-                    <p:sldTgt/>
-                  </p:tgtEl>
-                </p:cond>
-              </p:nextCondLst>
-            </p:seq>
-          </p:childTnLst>
-        </p:cTn>
-      </p:par>
-    </p:tnLst>
-    <p:bldLst>
-      <p:bldP spid="9" grpId="0"/>
-      <p:bldP spid="12" grpId="0"/>
-      <p:bldP spid="14" grpId="0"/>
-      <p:bldP spid="8" grpId="0"/>
-      <p:bldP spid="10" grpId="0"/>
-    </p:bldLst>
-  </p:timing>
 </p:sld>
 </file>
 
@@ -6181,276 +5134,6 @@
   <p:clrMapOvr>
     <a:masterClrMapping/>
   </p:clrMapOvr>
-  <p:timing>
-    <p:tnLst>
-      <p:par>
-        <p:cTn id="1" dur="indefinite" restart="never" nodeType="tmRoot">
-          <p:childTnLst>
-            <p:seq concurrent="1" nextAc="seek">
-              <p:cTn id="2" dur="indefinite" nodeType="mainSeq">
-                <p:childTnLst>
-                  <p:par>
-                    <p:cTn id="3" fill="hold">
-                      <p:stCondLst>
-                        <p:cond delay="indefinite"/>
-                        <p:cond evt="onBegin" delay="0">
-                          <p:tn val="2"/>
-                        </p:cond>
-                      </p:stCondLst>
-                      <p:childTnLst>
-                        <p:par>
-                          <p:cTn id="4" fill="hold">
-                            <p:stCondLst>
-                              <p:cond delay="0"/>
-                            </p:stCondLst>
-                            <p:childTnLst>
-                              <p:par>
-                                <p:cTn id="5" presetID="37" presetClass="entr" presetSubtype="0" fill="hold" nodeType="withEffect">
-                                  <p:stCondLst>
-                                    <p:cond delay="0"/>
-                                  </p:stCondLst>
-                                  <p:childTnLst>
-                                    <p:set>
-                                      <p:cBhvr>
-                                        <p:cTn id="6" dur="1" fill="hold">
-                                          <p:stCondLst>
-                                            <p:cond delay="0"/>
-                                          </p:stCondLst>
-                                        </p:cTn>
-                                        <p:tgtEl>
-                                          <p:spTgt spid="3"/>
-                                        </p:tgtEl>
-                                        <p:attrNameLst>
-                                          <p:attrName>style.visibility</p:attrName>
-                                        </p:attrNameLst>
-                                      </p:cBhvr>
-                                      <p:to>
-                                        <p:strVal val="visible"/>
-                                      </p:to>
-                                    </p:set>
-                                    <p:animEffect transition="in" filter="fade">
-                                      <p:cBhvr>
-                                        <p:cTn id="7" dur="1000"/>
-                                        <p:tgtEl>
-                                          <p:spTgt spid="3"/>
-                                        </p:tgtEl>
-                                      </p:cBhvr>
-                                    </p:animEffect>
-                                    <p:anim calcmode="lin" valueType="num">
-                                      <p:cBhvr>
-                                        <p:cTn id="8" dur="1000" fill="hold"/>
-                                        <p:tgtEl>
-                                          <p:spTgt spid="3"/>
-                                        </p:tgtEl>
-                                        <p:attrNameLst>
-                                          <p:attrName>ppt_x</p:attrName>
-                                        </p:attrNameLst>
-                                      </p:cBhvr>
-                                      <p:tavLst>
-                                        <p:tav tm="0">
-                                          <p:val>
-                                            <p:strVal val="#ppt_x"/>
-                                          </p:val>
-                                        </p:tav>
-                                        <p:tav tm="100000">
-                                          <p:val>
-                                            <p:strVal val="#ppt_x"/>
-                                          </p:val>
-                                        </p:tav>
-                                      </p:tavLst>
-                                    </p:anim>
-                                    <p:anim calcmode="lin" valueType="num">
-                                      <p:cBhvr>
-                                        <p:cTn id="9" dur="900" decel="100000" fill="hold"/>
-                                        <p:tgtEl>
-                                          <p:spTgt spid="3"/>
-                                        </p:tgtEl>
-                                        <p:attrNameLst>
-                                          <p:attrName>ppt_y</p:attrName>
-                                        </p:attrNameLst>
-                                      </p:cBhvr>
-                                      <p:tavLst>
-                                        <p:tav tm="0">
-                                          <p:val>
-                                            <p:strVal val="#ppt_y+1"/>
-                                          </p:val>
-                                        </p:tav>
-                                        <p:tav tm="100000">
-                                          <p:val>
-                                            <p:strVal val="#ppt_y-.03"/>
-                                          </p:val>
-                                        </p:tav>
-                                      </p:tavLst>
-                                    </p:anim>
-                                    <p:anim calcmode="lin" valueType="num">
-                                      <p:cBhvr>
-                                        <p:cTn id="10" dur="100" accel="100000" fill="hold">
-                                          <p:stCondLst>
-                                            <p:cond delay="900"/>
-                                          </p:stCondLst>
-                                        </p:cTn>
-                                        <p:tgtEl>
-                                          <p:spTgt spid="3"/>
-                                        </p:tgtEl>
-                                        <p:attrNameLst>
-                                          <p:attrName>ppt_y</p:attrName>
-                                        </p:attrNameLst>
-                                      </p:cBhvr>
-                                      <p:tavLst>
-                                        <p:tav tm="0">
-                                          <p:val>
-                                            <p:strVal val="#ppt_y-.03"/>
-                                          </p:val>
-                                        </p:tav>
-                                        <p:tav tm="100000">
-                                          <p:val>
-                                            <p:strVal val="#ppt_y"/>
-                                          </p:val>
-                                        </p:tav>
-                                      </p:tavLst>
-                                    </p:anim>
-                                  </p:childTnLst>
-                                </p:cTn>
-                              </p:par>
-                              <p:par>
-                                <p:cTn id="11" presetID="37" presetClass="entr" presetSubtype="0" fill="hold" grpId="0" nodeType="withEffect">
-                                  <p:stCondLst>
-                                    <p:cond delay="0"/>
-                                  </p:stCondLst>
-                                  <p:childTnLst>
-                                    <p:set>
-                                      <p:cBhvr>
-                                        <p:cTn id="12" dur="1" fill="hold">
-                                          <p:stCondLst>
-                                            <p:cond delay="0"/>
-                                          </p:stCondLst>
-                                        </p:cTn>
-                                        <p:tgtEl>
-                                          <p:spTgt spid="11"/>
-                                        </p:tgtEl>
-                                        <p:attrNameLst>
-                                          <p:attrName>style.visibility</p:attrName>
-                                        </p:attrNameLst>
-                                      </p:cBhvr>
-                                      <p:to>
-                                        <p:strVal val="visible"/>
-                                      </p:to>
-                                    </p:set>
-                                    <p:animEffect transition="in" filter="fade">
-                                      <p:cBhvr>
-                                        <p:cTn id="13" dur="1000"/>
-                                        <p:tgtEl>
-                                          <p:spTgt spid="11"/>
-                                        </p:tgtEl>
-                                      </p:cBhvr>
-                                    </p:animEffect>
-                                    <p:anim calcmode="lin" valueType="num">
-                                      <p:cBhvr>
-                                        <p:cTn id="14" dur="1000" fill="hold"/>
-                                        <p:tgtEl>
-                                          <p:spTgt spid="11"/>
-                                        </p:tgtEl>
-                                        <p:attrNameLst>
-                                          <p:attrName>ppt_x</p:attrName>
-                                        </p:attrNameLst>
-                                      </p:cBhvr>
-                                      <p:tavLst>
-                                        <p:tav tm="0">
-                                          <p:val>
-                                            <p:strVal val="#ppt_x"/>
-                                          </p:val>
-                                        </p:tav>
-                                        <p:tav tm="100000">
-                                          <p:val>
-                                            <p:strVal val="#ppt_x"/>
-                                          </p:val>
-                                        </p:tav>
-                                      </p:tavLst>
-                                    </p:anim>
-                                    <p:anim calcmode="lin" valueType="num">
-                                      <p:cBhvr>
-                                        <p:cTn id="15" dur="900" decel="100000" fill="hold"/>
-                                        <p:tgtEl>
-                                          <p:spTgt spid="11"/>
-                                        </p:tgtEl>
-                                        <p:attrNameLst>
-                                          <p:attrName>ppt_y</p:attrName>
-                                        </p:attrNameLst>
-                                      </p:cBhvr>
-                                      <p:tavLst>
-                                        <p:tav tm="0">
-                                          <p:val>
-                                            <p:strVal val="#ppt_y+1"/>
-                                          </p:val>
-                                        </p:tav>
-                                        <p:tav tm="100000">
-                                          <p:val>
-                                            <p:strVal val="#ppt_y-.03"/>
-                                          </p:val>
-                                        </p:tav>
-                                      </p:tavLst>
-                                    </p:anim>
-                                    <p:anim calcmode="lin" valueType="num">
-                                      <p:cBhvr>
-                                        <p:cTn id="16" dur="100" accel="100000" fill="hold">
-                                          <p:stCondLst>
-                                            <p:cond delay="900"/>
-                                          </p:stCondLst>
-                                        </p:cTn>
-                                        <p:tgtEl>
-                                          <p:spTgt spid="11"/>
-                                        </p:tgtEl>
-                                        <p:attrNameLst>
-                                          <p:attrName>ppt_y</p:attrName>
-                                        </p:attrNameLst>
-                                      </p:cBhvr>
-                                      <p:tavLst>
-                                        <p:tav tm="0">
-                                          <p:val>
-                                            <p:strVal val="#ppt_y-.03"/>
-                                          </p:val>
-                                        </p:tav>
-                                        <p:tav tm="100000">
-                                          <p:val>
-                                            <p:strVal val="#ppt_y"/>
-                                          </p:val>
-                                        </p:tav>
-                                      </p:tavLst>
-                                    </p:anim>
-                                  </p:childTnLst>
-                                </p:cTn>
-                              </p:par>
-                            </p:childTnLst>
-                          </p:cTn>
-                        </p:par>
-                      </p:childTnLst>
-                    </p:cTn>
-                  </p:par>
-                </p:childTnLst>
-              </p:cTn>
-              <p:prevCondLst>
-                <p:cond evt="onPrev" delay="0">
-                  <p:tgtEl>
-                    <p:sldTgt/>
-                  </p:tgtEl>
-                </p:cond>
-              </p:prevCondLst>
-              <p:nextCondLst>
-                <p:cond evt="onNext" delay="0">
-                  <p:tgtEl>
-                    <p:sldTgt/>
-                  </p:tgtEl>
-                </p:cond>
-              </p:nextCondLst>
-            </p:seq>
-          </p:childTnLst>
-        </p:cTn>
-      </p:par>
-    </p:tnLst>
-    <p:bldLst>
-      <p:bldP spid="11" grpId="0"/>
-    </p:bldLst>
-  </p:timing>
 </p:sld>
 </file>
 
@@ -6820,372 +5503,6 @@
   <p:clrMapOvr>
     <a:masterClrMapping/>
   </p:clrMapOvr>
-  <p:timing>
-    <p:tnLst>
-      <p:par>
-        <p:cTn id="1" dur="indefinite" restart="never" nodeType="tmRoot">
-          <p:childTnLst>
-            <p:seq concurrent="1" nextAc="seek">
-              <p:cTn id="2" dur="indefinite" nodeType="mainSeq">
-                <p:childTnLst>
-                  <p:par>
-                    <p:cTn id="3" fill="hold">
-                      <p:stCondLst>
-                        <p:cond delay="indefinite"/>
-                      </p:stCondLst>
-                      <p:childTnLst>
-                        <p:par>
-                          <p:cTn id="4" fill="hold">
-                            <p:stCondLst>
-                              <p:cond delay="0"/>
-                            </p:stCondLst>
-                            <p:childTnLst>
-                              <p:par>
-                                <p:cTn id="5" presetID="1" presetClass="entr" presetSubtype="0" fill="hold" grpId="0" nodeType="clickEffect">
-                                  <p:stCondLst>
-                                    <p:cond delay="0"/>
-                                  </p:stCondLst>
-                                  <p:childTnLst>
-                                    <p:set>
-                                      <p:cBhvr>
-                                        <p:cTn id="6" dur="1" fill="hold">
-                                          <p:stCondLst>
-                                            <p:cond delay="0"/>
-                                          </p:stCondLst>
-                                        </p:cTn>
-                                        <p:tgtEl>
-                                          <p:spTgt spid="9"/>
-                                        </p:tgtEl>
-                                        <p:attrNameLst>
-                                          <p:attrName>style.visibility</p:attrName>
-                                        </p:attrNameLst>
-                                      </p:cBhvr>
-                                      <p:to>
-                                        <p:strVal val="visible"/>
-                                      </p:to>
-                                    </p:set>
-                                  </p:childTnLst>
-                                </p:cTn>
-                              </p:par>
-                            </p:childTnLst>
-                          </p:cTn>
-                        </p:par>
-                      </p:childTnLst>
-                    </p:cTn>
-                  </p:par>
-                  <p:par>
-                    <p:cTn id="7" fill="hold">
-                      <p:stCondLst>
-                        <p:cond delay="indefinite"/>
-                      </p:stCondLst>
-                      <p:childTnLst>
-                        <p:par>
-                          <p:cTn id="8" fill="hold">
-                            <p:stCondLst>
-                              <p:cond delay="0"/>
-                            </p:stCondLst>
-                            <p:childTnLst>
-                              <p:par>
-                                <p:cTn id="9" presetID="1" presetClass="entr" presetSubtype="0" fill="hold" nodeType="clickEffect">
-                                  <p:stCondLst>
-                                    <p:cond delay="0"/>
-                                  </p:stCondLst>
-                                  <p:childTnLst>
-                                    <p:set>
-                                      <p:cBhvr>
-                                        <p:cTn id="10" dur="1" fill="hold">
-                                          <p:stCondLst>
-                                            <p:cond delay="0"/>
-                                          </p:stCondLst>
-                                        </p:cTn>
-                                        <p:tgtEl>
-                                          <p:spTgt spid="12">
-                                            <p:txEl>
-                                              <p:pRg st="0" end="0"/>
-                                            </p:txEl>
-                                          </p:spTgt>
-                                        </p:tgtEl>
-                                        <p:attrNameLst>
-                                          <p:attrName>style.visibility</p:attrName>
-                                        </p:attrNameLst>
-                                      </p:cBhvr>
-                                      <p:to>
-                                        <p:strVal val="visible"/>
-                                      </p:to>
-                                    </p:set>
-                                  </p:childTnLst>
-                                </p:cTn>
-                              </p:par>
-                            </p:childTnLst>
-                          </p:cTn>
-                        </p:par>
-                      </p:childTnLst>
-                    </p:cTn>
-                  </p:par>
-                  <p:par>
-                    <p:cTn id="11" fill="hold">
-                      <p:stCondLst>
-                        <p:cond delay="indefinite"/>
-                      </p:stCondLst>
-                      <p:childTnLst>
-                        <p:par>
-                          <p:cTn id="12" fill="hold">
-                            <p:stCondLst>
-                              <p:cond delay="0"/>
-                            </p:stCondLst>
-                            <p:childTnLst>
-                              <p:par>
-                                <p:cTn id="13" presetID="1" presetClass="entr" presetSubtype="0" fill="hold" nodeType="clickEffect">
-                                  <p:stCondLst>
-                                    <p:cond delay="0"/>
-                                  </p:stCondLst>
-                                  <p:childTnLst>
-                                    <p:set>
-                                      <p:cBhvr>
-                                        <p:cTn id="14" dur="1" fill="hold">
-                                          <p:stCondLst>
-                                            <p:cond delay="0"/>
-                                          </p:stCondLst>
-                                        </p:cTn>
-                                        <p:tgtEl>
-                                          <p:spTgt spid="12">
-                                            <p:txEl>
-                                              <p:pRg st="1" end="1"/>
-                                            </p:txEl>
-                                          </p:spTgt>
-                                        </p:tgtEl>
-                                        <p:attrNameLst>
-                                          <p:attrName>style.visibility</p:attrName>
-                                        </p:attrNameLst>
-                                      </p:cBhvr>
-                                      <p:to>
-                                        <p:strVal val="visible"/>
-                                      </p:to>
-                                    </p:set>
-                                  </p:childTnLst>
-                                </p:cTn>
-                              </p:par>
-                            </p:childTnLst>
-                          </p:cTn>
-                        </p:par>
-                      </p:childTnLst>
-                    </p:cTn>
-                  </p:par>
-                  <p:par>
-                    <p:cTn id="15" fill="hold">
-                      <p:stCondLst>
-                        <p:cond delay="indefinite"/>
-                      </p:stCondLst>
-                      <p:childTnLst>
-                        <p:par>
-                          <p:cTn id="16" fill="hold">
-                            <p:stCondLst>
-                              <p:cond delay="0"/>
-                            </p:stCondLst>
-                            <p:childTnLst>
-                              <p:par>
-                                <p:cTn id="17" presetID="1" presetClass="entr" presetSubtype="0" fill="hold" nodeType="clickEffect">
-                                  <p:stCondLst>
-                                    <p:cond delay="0"/>
-                                  </p:stCondLst>
-                                  <p:childTnLst>
-                                    <p:set>
-                                      <p:cBhvr>
-                                        <p:cTn id="18" dur="1" fill="hold">
-                                          <p:stCondLst>
-                                            <p:cond delay="0"/>
-                                          </p:stCondLst>
-                                        </p:cTn>
-                                        <p:tgtEl>
-                                          <p:spTgt spid="12">
-                                            <p:txEl>
-                                              <p:pRg st="2" end="2"/>
-                                            </p:txEl>
-                                          </p:spTgt>
-                                        </p:tgtEl>
-                                        <p:attrNameLst>
-                                          <p:attrName>style.visibility</p:attrName>
-                                        </p:attrNameLst>
-                                      </p:cBhvr>
-                                      <p:to>
-                                        <p:strVal val="visible"/>
-                                      </p:to>
-                                    </p:set>
-                                  </p:childTnLst>
-                                </p:cTn>
-                              </p:par>
-                            </p:childTnLst>
-                          </p:cTn>
-                        </p:par>
-                      </p:childTnLst>
-                    </p:cTn>
-                  </p:par>
-                  <p:par>
-                    <p:cTn id="19" fill="hold">
-                      <p:stCondLst>
-                        <p:cond delay="indefinite"/>
-                      </p:stCondLst>
-                      <p:childTnLst>
-                        <p:par>
-                          <p:cTn id="20" fill="hold">
-                            <p:stCondLst>
-                              <p:cond delay="0"/>
-                            </p:stCondLst>
-                            <p:childTnLst>
-                              <p:par>
-                                <p:cTn id="21" presetID="1" presetClass="entr" presetSubtype="0" fill="hold" nodeType="clickEffect">
-                                  <p:stCondLst>
-                                    <p:cond delay="0"/>
-                                  </p:stCondLst>
-                                  <p:childTnLst>
-                                    <p:set>
-                                      <p:cBhvr>
-                                        <p:cTn id="22" dur="1" fill="hold">
-                                          <p:stCondLst>
-                                            <p:cond delay="0"/>
-                                          </p:stCondLst>
-                                        </p:cTn>
-                                        <p:tgtEl>
-                                          <p:spTgt spid="14">
-                                            <p:txEl>
-                                              <p:pRg st="0" end="0"/>
-                                            </p:txEl>
-                                          </p:spTgt>
-                                        </p:tgtEl>
-                                        <p:attrNameLst>
-                                          <p:attrName>style.visibility</p:attrName>
-                                        </p:attrNameLst>
-                                      </p:cBhvr>
-                                      <p:to>
-                                        <p:strVal val="visible"/>
-                                      </p:to>
-                                    </p:set>
-                                  </p:childTnLst>
-                                </p:cTn>
-                              </p:par>
-                            </p:childTnLst>
-                          </p:cTn>
-                        </p:par>
-                      </p:childTnLst>
-                    </p:cTn>
-                  </p:par>
-                  <p:par>
-                    <p:cTn id="23" fill="hold">
-                      <p:stCondLst>
-                        <p:cond delay="indefinite"/>
-                      </p:stCondLst>
-                      <p:childTnLst>
-                        <p:par>
-                          <p:cTn id="24" fill="hold">
-                            <p:stCondLst>
-                              <p:cond delay="0"/>
-                            </p:stCondLst>
-                            <p:childTnLst>
-                              <p:par>
-                                <p:cTn id="25" presetID="1" presetClass="entr" presetSubtype="0" fill="hold" grpId="0" nodeType="clickEffect">
-                                  <p:stCondLst>
-                                    <p:cond delay="0"/>
-                                  </p:stCondLst>
-                                  <p:childTnLst>
-                                    <p:set>
-                                      <p:cBhvr>
-                                        <p:cTn id="26" dur="1" fill="hold">
-                                          <p:stCondLst>
-                                            <p:cond delay="0"/>
-                                          </p:stCondLst>
-                                        </p:cTn>
-                                        <p:tgtEl>
-                                          <p:spTgt spid="10"/>
-                                        </p:tgtEl>
-                                        <p:attrNameLst>
-                                          <p:attrName>style.visibility</p:attrName>
-                                        </p:attrNameLst>
-                                      </p:cBhvr>
-                                      <p:to>
-                                        <p:strVal val="visible"/>
-                                      </p:to>
-                                    </p:set>
-                                  </p:childTnLst>
-                                </p:cTn>
-                              </p:par>
-                            </p:childTnLst>
-                          </p:cTn>
-                        </p:par>
-                      </p:childTnLst>
-                    </p:cTn>
-                  </p:par>
-                  <p:par>
-                    <p:cTn id="27" fill="hold">
-                      <p:stCondLst>
-                        <p:cond delay="indefinite"/>
-                      </p:stCondLst>
-                      <p:childTnLst>
-                        <p:par>
-                          <p:cTn id="28" fill="hold">
-                            <p:stCondLst>
-                              <p:cond delay="0"/>
-                            </p:stCondLst>
-                            <p:childTnLst>
-                              <p:par>
-                                <p:cTn id="29" presetID="1" presetClass="entr" presetSubtype="0" fill="hold" grpId="0" nodeType="clickEffect">
-                                  <p:stCondLst>
-                                    <p:cond delay="0"/>
-                                  </p:stCondLst>
-                                  <p:childTnLst>
-                                    <p:set>
-                                      <p:cBhvr>
-                                        <p:cTn id="30" dur="1" fill="hold">
-                                          <p:stCondLst>
-                                            <p:cond delay="0"/>
-                                          </p:stCondLst>
-                                        </p:cTn>
-                                        <p:tgtEl>
-                                          <p:spTgt spid="11"/>
-                                        </p:tgtEl>
-                                        <p:attrNameLst>
-                                          <p:attrName>style.visibility</p:attrName>
-                                        </p:attrNameLst>
-                                      </p:cBhvr>
-                                      <p:to>
-                                        <p:strVal val="visible"/>
-                                      </p:to>
-                                    </p:set>
-                                  </p:childTnLst>
-                                </p:cTn>
-                              </p:par>
-                            </p:childTnLst>
-                          </p:cTn>
-                        </p:par>
-                      </p:childTnLst>
-                    </p:cTn>
-                  </p:par>
-                </p:childTnLst>
-              </p:cTn>
-              <p:prevCondLst>
-                <p:cond evt="onPrev" delay="0">
-                  <p:tgtEl>
-                    <p:sldTgt/>
-                  </p:tgtEl>
-                </p:cond>
-              </p:prevCondLst>
-              <p:nextCondLst>
-                <p:cond evt="onNext" delay="0">
-                  <p:tgtEl>
-                    <p:sldTgt/>
-                  </p:tgtEl>
-                </p:cond>
-              </p:nextCondLst>
-            </p:seq>
-          </p:childTnLst>
-        </p:cTn>
-      </p:par>
-    </p:tnLst>
-    <p:bldLst>
-      <p:bldP spid="9" grpId="0"/>
-      <p:bldP spid="10" grpId="0"/>
-      <p:bldP spid="11" grpId="0"/>
-    </p:bldLst>
-  </p:timing>
 </p:sld>
 </file>
 

--- a/HACKBD-presentation.pptx
+++ b/HACKBD-presentation.pptx
@@ -515,25 +515,270 @@
           <a:bodyPr/>
           <a:lstStyle/>
           <a:p>
+            <a:endParaRPr lang="en-CA" dirty="0"/>
+          </a:p>
+        </p:txBody>
+      </p:sp>
+      <p:sp>
+        <p:nvSpPr>
+          <p:cNvPr id="4" name="Slide Number Placeholder 3"/>
+          <p:cNvSpPr>
+            <a:spLocks noGrp="1"/>
+          </p:cNvSpPr>
+          <p:nvPr>
+            <p:ph type="sldNum" sz="quarter" idx="10"/>
+          </p:nvPr>
+        </p:nvSpPr>
+        <p:spPr/>
+        <p:txBody>
+          <a:bodyPr/>
+          <a:lstStyle/>
+          <a:p>
+            <a:fld id="{B57EA6AF-4F8D-4876-93B5-2D4903517CDE}" type="slidenum">
+              <a:rPr lang="en-CA" smtClean="0"/>
+              <a:t>1</a:t>
+            </a:fld>
+            <a:endParaRPr lang="en-CA"/>
+          </a:p>
+        </p:txBody>
+      </p:sp>
+    </p:spTree>
+    <p:extLst>
+      <p:ext uri="{BB962C8B-B14F-4D97-AF65-F5344CB8AC3E}">
+        <p14:creationId xmlns:p14="http://schemas.microsoft.com/office/powerpoint/2010/main" val="1937256973"/>
+      </p:ext>
+    </p:extLst>
+  </p:cSld>
+  <p:clrMapOvr>
+    <a:masterClrMapping/>
+  </p:clrMapOvr>
+</p:notes>
+</file>
+
+<file path=ppt/notesSlides/notesSlide2.xml><?xml version="1.0" encoding="utf-8"?>
+<p:notes xmlns:a="http://schemas.openxmlformats.org/drawingml/2006/main" xmlns:r="http://schemas.openxmlformats.org/officeDocument/2006/relationships" xmlns:p="http://schemas.openxmlformats.org/presentationml/2006/main">
+  <p:cSld>
+    <p:spTree>
+      <p:nvGrpSpPr>
+        <p:cNvPr id="1" name=""/>
+        <p:cNvGrpSpPr/>
+        <p:nvPr/>
+      </p:nvGrpSpPr>
+      <p:grpSpPr>
+        <a:xfrm>
+          <a:off x="0" y="0"/>
+          <a:ext cx="0" cy="0"/>
+          <a:chOff x="0" y="0"/>
+          <a:chExt cx="0" cy="0"/>
+        </a:xfrm>
+      </p:grpSpPr>
+      <p:sp>
+        <p:nvSpPr>
+          <p:cNvPr id="2" name="Slide Image Placeholder 1"/>
+          <p:cNvSpPr>
+            <a:spLocks noGrp="1" noRot="1" noChangeAspect="1"/>
+          </p:cNvSpPr>
+          <p:nvPr>
+            <p:ph type="sldImg"/>
+          </p:nvPr>
+        </p:nvSpPr>
+        <p:spPr/>
+      </p:sp>
+      <p:sp>
+        <p:nvSpPr>
+          <p:cNvPr id="3" name="Notes Placeholder 2"/>
+          <p:cNvSpPr>
+            <a:spLocks noGrp="1"/>
+          </p:cNvSpPr>
+          <p:nvPr>
+            <p:ph type="body" idx="1"/>
+          </p:nvPr>
+        </p:nvSpPr>
+        <p:spPr/>
+        <p:txBody>
+          <a:bodyPr/>
+          <a:lstStyle/>
+          <a:p>
+            <a:r>
+              <a:rPr lang="en-CA" dirty="0"/>
+              <a:t>Tim.</a:t>
+            </a:r>
+          </a:p>
+          <a:p>
+            <a:endParaRPr lang="en-CA" dirty="0"/>
+          </a:p>
+          <a:p>
+            <a:r>
+              <a:rPr lang="en-CA" dirty="0"/>
+              <a:t>So what is White glove?</a:t>
+            </a:r>
+          </a:p>
+          <a:p>
+            <a:endParaRPr lang="en-CA" dirty="0"/>
+          </a:p>
+          <a:p>
+            <a:r>
+              <a:rPr lang="en-CA" dirty="0"/>
+              <a:t>White glove is one of Build Directs premier services. Typically customer orders are dropped off at the curb. With white glove service,</a:t>
+            </a:r>
+            <a:r>
+              <a:rPr lang="en-CA" baseline="0" dirty="0"/>
+              <a:t> the intention is that your shipment will be delivered to EXACTLY where you want it o be.</a:t>
+            </a:r>
+          </a:p>
+          <a:p>
+            <a:endParaRPr lang="en-CA" baseline="0" dirty="0"/>
+          </a:p>
+          <a:p>
+            <a:r>
+              <a:rPr lang="en-CA" baseline="0" dirty="0"/>
+              <a:t>However, not enough customers understand, or are taking advantage of this service.</a:t>
+            </a:r>
+          </a:p>
+          <a:p>
+            <a:endParaRPr lang="en-CA" baseline="0" dirty="0"/>
+          </a:p>
+          <a:p>
+            <a:r>
+              <a:rPr lang="en-CA" baseline="0" dirty="0"/>
+              <a:t>Furthermore, the way the system is currently structured, the customer has to call Build Direct for a shipping quote prior to placing their order.</a:t>
+            </a:r>
+            <a:endParaRPr lang="en-CA" dirty="0"/>
+          </a:p>
+        </p:txBody>
+      </p:sp>
+      <p:sp>
+        <p:nvSpPr>
+          <p:cNvPr id="4" name="Slide Number Placeholder 3"/>
+          <p:cNvSpPr>
+            <a:spLocks noGrp="1"/>
+          </p:cNvSpPr>
+          <p:nvPr>
+            <p:ph type="sldNum" sz="quarter" idx="10"/>
+          </p:nvPr>
+        </p:nvSpPr>
+        <p:spPr/>
+        <p:txBody>
+          <a:bodyPr/>
+          <a:lstStyle/>
+          <a:p>
+            <a:fld id="{B57EA6AF-4F8D-4876-93B5-2D4903517CDE}" type="slidenum">
+              <a:rPr lang="en-CA" smtClean="0"/>
+              <a:t>2</a:t>
+            </a:fld>
+            <a:endParaRPr lang="en-CA"/>
+          </a:p>
+        </p:txBody>
+      </p:sp>
+    </p:spTree>
+    <p:extLst>
+      <p:ext uri="{BB962C8B-B14F-4D97-AF65-F5344CB8AC3E}">
+        <p14:creationId xmlns:p14="http://schemas.microsoft.com/office/powerpoint/2010/main" val="2173099482"/>
+      </p:ext>
+    </p:extLst>
+  </p:cSld>
+  <p:clrMapOvr>
+    <a:masterClrMapping/>
+  </p:clrMapOvr>
+</p:notes>
+</file>
+
+<file path=ppt/notesSlides/notesSlide3.xml><?xml version="1.0" encoding="utf-8"?>
+<p:notes xmlns:a="http://schemas.openxmlformats.org/drawingml/2006/main" xmlns:r="http://schemas.openxmlformats.org/officeDocument/2006/relationships" xmlns:p="http://schemas.openxmlformats.org/presentationml/2006/main">
+  <p:cSld>
+    <p:spTree>
+      <p:nvGrpSpPr>
+        <p:cNvPr id="1" name=""/>
+        <p:cNvGrpSpPr/>
+        <p:nvPr/>
+      </p:nvGrpSpPr>
+      <p:grpSpPr>
+        <a:xfrm>
+          <a:off x="0" y="0"/>
+          <a:ext cx="0" cy="0"/>
+          <a:chOff x="0" y="0"/>
+          <a:chExt cx="0" cy="0"/>
+        </a:xfrm>
+      </p:grpSpPr>
+      <p:sp>
+        <p:nvSpPr>
+          <p:cNvPr id="2" name="Slide Image Placeholder 1"/>
+          <p:cNvSpPr>
+            <a:spLocks noGrp="1" noRot="1" noChangeAspect="1"/>
+          </p:cNvSpPr>
+          <p:nvPr>
+            <p:ph type="sldImg"/>
+          </p:nvPr>
+        </p:nvSpPr>
+        <p:spPr/>
+      </p:sp>
+      <p:sp>
+        <p:nvSpPr>
+          <p:cNvPr id="3" name="Notes Placeholder 2"/>
+          <p:cNvSpPr>
+            <a:spLocks noGrp="1"/>
+          </p:cNvSpPr>
+          <p:nvPr>
+            <p:ph type="body" idx="1"/>
+          </p:nvPr>
+        </p:nvSpPr>
+        <p:spPr/>
+        <p:txBody>
+          <a:bodyPr/>
+          <a:lstStyle/>
+          <a:p>
+            <a:r>
+              <a:rPr lang="en-CA" dirty="0"/>
+              <a:t>Luli.</a:t>
+            </a:r>
+          </a:p>
+          <a:p>
+            <a:endParaRPr lang="en-CA" dirty="0"/>
+          </a:p>
+          <a:p>
             <a:r>
               <a:rPr lang="en-CA" dirty="0"/>
               <a:t>This</a:t>
             </a:r>
             <a:r>
               <a:rPr lang="en-CA" baseline="0" dirty="0"/>
-              <a:t> creates an opaque process for the customer, where they expect their product to be delivered at no extra cost</a:t>
-            </a:r>
-            <a:r>
-              <a:rPr lang="en-CA" baseline="0"/>
-              <a:t>. These </a:t>
-            </a:r>
+              <a:t> creates an opaque process for the customer, where they expect their product to be delivered at no extra cost, and instead receive unanticipated charges.</a:t>
+            </a:r>
+          </a:p>
+          <a:p>
+            <a:endParaRPr lang="en-CA" baseline="0" dirty="0"/>
+          </a:p>
+          <a:p>
+            <a:pPr marL="0" marR="0" lvl="0" indent="0" algn="l" defTabSz="914400" rtl="0" eaLnBrk="1" fontAlgn="auto" latinLnBrk="0" hangingPunct="1">
+              <a:lnSpc>
+                <a:spcPct val="100000"/>
+              </a:lnSpc>
+              <a:spcBef>
+                <a:spcPts val="0"/>
+              </a:spcBef>
+              <a:spcAft>
+                <a:spcPts val="0"/>
+              </a:spcAft>
+              <a:buClrTx/>
+              <a:buSzTx/>
+              <a:buFontTx/>
+              <a:buNone/>
+              <a:tabLst/>
+              <a:defRPr/>
+            </a:pPr>
             <a:r>
               <a:rPr lang="en-CA" baseline="0" dirty="0"/>
-              <a:t>unanticipated charges can anger customers, and result in a lot of post-delivery problems for Build Direct.</a:t>
-            </a:r>
-          </a:p>
-          <a:p>
-            <a:endParaRPr lang="en-CA" dirty="0"/>
+              <a:t>With a lack of standardized metrics, it is difficult for the customer to budget their projects.</a:t>
+            </a:r>
+          </a:p>
+          <a:p>
+            <a:endParaRPr lang="en-CA" baseline="0" dirty="0"/>
+          </a:p>
+          <a:p>
+            <a:r>
+              <a:rPr lang="en-CA" baseline="0" dirty="0"/>
+              <a:t>This can anger customers, and result in a lot of post-delivery problems for Build Direct.</a:t>
+            </a:r>
           </a:p>
         </p:txBody>
       </p:sp>
@@ -564,6 +809,344 @@
     <p:extLst>
       <p:ext uri="{BB962C8B-B14F-4D97-AF65-F5344CB8AC3E}">
         <p14:creationId xmlns:p14="http://schemas.microsoft.com/office/powerpoint/2010/main" val="2906232530"/>
+      </p:ext>
+    </p:extLst>
+  </p:cSld>
+  <p:clrMapOvr>
+    <a:masterClrMapping/>
+  </p:clrMapOvr>
+</p:notes>
+</file>
+
+<file path=ppt/notesSlides/notesSlide4.xml><?xml version="1.0" encoding="utf-8"?>
+<p:notes xmlns:a="http://schemas.openxmlformats.org/drawingml/2006/main" xmlns:r="http://schemas.openxmlformats.org/officeDocument/2006/relationships" xmlns:p="http://schemas.openxmlformats.org/presentationml/2006/main">
+  <p:cSld>
+    <p:spTree>
+      <p:nvGrpSpPr>
+        <p:cNvPr id="1" name=""/>
+        <p:cNvGrpSpPr/>
+        <p:nvPr/>
+      </p:nvGrpSpPr>
+      <p:grpSpPr>
+        <a:xfrm>
+          <a:off x="0" y="0"/>
+          <a:ext cx="0" cy="0"/>
+          <a:chOff x="0" y="0"/>
+          <a:chExt cx="0" cy="0"/>
+        </a:xfrm>
+      </p:grpSpPr>
+      <p:sp>
+        <p:nvSpPr>
+          <p:cNvPr id="2" name="Slide Image Placeholder 1"/>
+          <p:cNvSpPr>
+            <a:spLocks noGrp="1" noRot="1" noChangeAspect="1"/>
+          </p:cNvSpPr>
+          <p:nvPr>
+            <p:ph type="sldImg"/>
+          </p:nvPr>
+        </p:nvSpPr>
+        <p:spPr/>
+      </p:sp>
+      <p:sp>
+        <p:nvSpPr>
+          <p:cNvPr id="3" name="Notes Placeholder 2"/>
+          <p:cNvSpPr>
+            <a:spLocks noGrp="1"/>
+          </p:cNvSpPr>
+          <p:nvPr>
+            <p:ph type="body" idx="1"/>
+          </p:nvPr>
+        </p:nvSpPr>
+        <p:spPr/>
+        <p:txBody>
+          <a:bodyPr/>
+          <a:lstStyle/>
+          <a:p>
+            <a:r>
+              <a:rPr lang="en-CA" dirty="0"/>
+              <a:t>Geoff.</a:t>
+            </a:r>
+          </a:p>
+          <a:p>
+            <a:endParaRPr lang="en-CA" dirty="0"/>
+          </a:p>
+          <a:p>
+            <a:r>
+              <a:rPr lang="en-CA" dirty="0"/>
+              <a:t>The</a:t>
+            </a:r>
+            <a:r>
+              <a:rPr lang="en-CA" baseline="0" dirty="0"/>
+              <a:t> biggest of these issues is shipment refusals. The cost associated with return shipment, restocking, and general labor are enormous.</a:t>
+            </a:r>
+          </a:p>
+          <a:p>
+            <a:endParaRPr lang="en-CA" baseline="0" dirty="0"/>
+          </a:p>
+          <a:p>
+            <a:r>
+              <a:rPr lang="en-CA" dirty="0"/>
+              <a:t>Furthermore, low</a:t>
+            </a:r>
+            <a:r>
+              <a:rPr lang="en-CA" baseline="0" dirty="0"/>
+              <a:t> customer satisfaction with this process will discourage repeat customers.</a:t>
+            </a:r>
+            <a:endParaRPr lang="en-CA" dirty="0"/>
+          </a:p>
+        </p:txBody>
+      </p:sp>
+      <p:sp>
+        <p:nvSpPr>
+          <p:cNvPr id="4" name="Slide Number Placeholder 3"/>
+          <p:cNvSpPr>
+            <a:spLocks noGrp="1"/>
+          </p:cNvSpPr>
+          <p:nvPr>
+            <p:ph type="sldNum" sz="quarter" idx="10"/>
+          </p:nvPr>
+        </p:nvSpPr>
+        <p:spPr/>
+        <p:txBody>
+          <a:bodyPr/>
+          <a:lstStyle/>
+          <a:p>
+            <a:fld id="{B57EA6AF-4F8D-4876-93B5-2D4903517CDE}" type="slidenum">
+              <a:rPr lang="en-CA" smtClean="0"/>
+              <a:t>4</a:t>
+            </a:fld>
+            <a:endParaRPr lang="en-CA"/>
+          </a:p>
+        </p:txBody>
+      </p:sp>
+    </p:spTree>
+    <p:extLst>
+      <p:ext uri="{BB962C8B-B14F-4D97-AF65-F5344CB8AC3E}">
+        <p14:creationId xmlns:p14="http://schemas.microsoft.com/office/powerpoint/2010/main" val="3925599801"/>
+      </p:ext>
+    </p:extLst>
+  </p:cSld>
+  <p:clrMapOvr>
+    <a:masterClrMapping/>
+  </p:clrMapOvr>
+</p:notes>
+</file>
+
+<file path=ppt/notesSlides/notesSlide5.xml><?xml version="1.0" encoding="utf-8"?>
+<p:notes xmlns:a="http://schemas.openxmlformats.org/drawingml/2006/main" xmlns:r="http://schemas.openxmlformats.org/officeDocument/2006/relationships" xmlns:p="http://schemas.openxmlformats.org/presentationml/2006/main">
+  <p:cSld>
+    <p:spTree>
+      <p:nvGrpSpPr>
+        <p:cNvPr id="1" name=""/>
+        <p:cNvGrpSpPr/>
+        <p:nvPr/>
+      </p:nvGrpSpPr>
+      <p:grpSpPr>
+        <a:xfrm>
+          <a:off x="0" y="0"/>
+          <a:ext cx="0" cy="0"/>
+          <a:chOff x="0" y="0"/>
+          <a:chExt cx="0" cy="0"/>
+        </a:xfrm>
+      </p:grpSpPr>
+      <p:sp>
+        <p:nvSpPr>
+          <p:cNvPr id="2" name="Slide Image Placeholder 1"/>
+          <p:cNvSpPr>
+            <a:spLocks noGrp="1" noRot="1" noChangeAspect="1"/>
+          </p:cNvSpPr>
+          <p:nvPr>
+            <p:ph type="sldImg"/>
+          </p:nvPr>
+        </p:nvSpPr>
+        <p:spPr/>
+      </p:sp>
+      <p:sp>
+        <p:nvSpPr>
+          <p:cNvPr id="3" name="Notes Placeholder 2"/>
+          <p:cNvSpPr>
+            <a:spLocks noGrp="1"/>
+          </p:cNvSpPr>
+          <p:nvPr>
+            <p:ph type="body" idx="1"/>
+          </p:nvPr>
+        </p:nvSpPr>
+        <p:spPr/>
+        <p:txBody>
+          <a:bodyPr/>
+          <a:lstStyle/>
+          <a:p>
+            <a:r>
+              <a:rPr lang="en-CA" dirty="0" err="1"/>
+              <a:t>Delan</a:t>
+            </a:r>
+            <a:r>
+              <a:rPr lang="en-CA" dirty="0"/>
+              <a:t>.</a:t>
+            </a:r>
+          </a:p>
+          <a:p>
+            <a:endParaRPr lang="en-CA" dirty="0"/>
+          </a:p>
+          <a:p>
+            <a:r>
+              <a:rPr lang="en-CA" dirty="0"/>
+              <a:t>We</a:t>
+            </a:r>
+            <a:r>
+              <a:rPr lang="en-CA" baseline="0" dirty="0"/>
+              <a:t> want to improve this process for the customer, by allowing them to bypass the phone call and find their budget quote directly during checkout, with our White Glove service wizard.</a:t>
+            </a:r>
+          </a:p>
+          <a:p>
+            <a:endParaRPr lang="en-CA" baseline="0" dirty="0"/>
+          </a:p>
+          <a:p>
+            <a:r>
+              <a:rPr lang="en-CA" baseline="0" dirty="0"/>
+              <a:t>This will promote the White Glove service, bring transparency to the billing process, and greatly reduce customer product refusals.</a:t>
+            </a:r>
+            <a:endParaRPr lang="en-CA" dirty="0"/>
+          </a:p>
+        </p:txBody>
+      </p:sp>
+      <p:sp>
+        <p:nvSpPr>
+          <p:cNvPr id="4" name="Slide Number Placeholder 3"/>
+          <p:cNvSpPr>
+            <a:spLocks noGrp="1"/>
+          </p:cNvSpPr>
+          <p:nvPr>
+            <p:ph type="sldNum" sz="quarter" idx="10"/>
+          </p:nvPr>
+        </p:nvSpPr>
+        <p:spPr/>
+        <p:txBody>
+          <a:bodyPr/>
+          <a:lstStyle/>
+          <a:p>
+            <a:fld id="{B57EA6AF-4F8D-4876-93B5-2D4903517CDE}" type="slidenum">
+              <a:rPr lang="en-CA" smtClean="0"/>
+              <a:t>5</a:t>
+            </a:fld>
+            <a:endParaRPr lang="en-CA"/>
+          </a:p>
+        </p:txBody>
+      </p:sp>
+    </p:spTree>
+    <p:extLst>
+      <p:ext uri="{BB962C8B-B14F-4D97-AF65-F5344CB8AC3E}">
+        <p14:creationId xmlns:p14="http://schemas.microsoft.com/office/powerpoint/2010/main" val="1603115075"/>
+      </p:ext>
+    </p:extLst>
+  </p:cSld>
+  <p:clrMapOvr>
+    <a:masterClrMapping/>
+  </p:clrMapOvr>
+</p:notes>
+</file>
+
+<file path=ppt/notesSlides/notesSlide6.xml><?xml version="1.0" encoding="utf-8"?>
+<p:notes xmlns:a="http://schemas.openxmlformats.org/drawingml/2006/main" xmlns:r="http://schemas.openxmlformats.org/officeDocument/2006/relationships" xmlns:p="http://schemas.openxmlformats.org/presentationml/2006/main">
+  <p:cSld>
+    <p:spTree>
+      <p:nvGrpSpPr>
+        <p:cNvPr id="1" name=""/>
+        <p:cNvGrpSpPr/>
+        <p:nvPr/>
+      </p:nvGrpSpPr>
+      <p:grpSpPr>
+        <a:xfrm>
+          <a:off x="0" y="0"/>
+          <a:ext cx="0" cy="0"/>
+          <a:chOff x="0" y="0"/>
+          <a:chExt cx="0" cy="0"/>
+        </a:xfrm>
+      </p:grpSpPr>
+      <p:sp>
+        <p:nvSpPr>
+          <p:cNvPr id="2" name="Slide Image Placeholder 1"/>
+          <p:cNvSpPr>
+            <a:spLocks noGrp="1" noRot="1" noChangeAspect="1"/>
+          </p:cNvSpPr>
+          <p:nvPr>
+            <p:ph type="sldImg"/>
+          </p:nvPr>
+        </p:nvSpPr>
+        <p:spPr/>
+      </p:sp>
+      <p:sp>
+        <p:nvSpPr>
+          <p:cNvPr id="3" name="Notes Placeholder 2"/>
+          <p:cNvSpPr>
+            <a:spLocks noGrp="1"/>
+          </p:cNvSpPr>
+          <p:nvPr>
+            <p:ph type="body" idx="1"/>
+          </p:nvPr>
+        </p:nvSpPr>
+        <p:spPr/>
+        <p:txBody>
+          <a:bodyPr/>
+          <a:lstStyle/>
+          <a:p>
+            <a:r>
+              <a:rPr lang="en-CA" dirty="0"/>
+              <a:t>Sheldon.</a:t>
+            </a:r>
+          </a:p>
+          <a:p>
+            <a:endParaRPr lang="en-CA" dirty="0"/>
+          </a:p>
+          <a:p>
+            <a:r>
+              <a:rPr lang="en-CA" dirty="0"/>
+              <a:t>Using</a:t>
+            </a:r>
+            <a:r>
+              <a:rPr lang="en-CA" baseline="0" dirty="0"/>
+              <a:t> a non invasive CSS overlay, independent of the core website, our object based plug-in provides White Glove calculation service without disruption.</a:t>
+            </a:r>
+          </a:p>
+          <a:p>
+            <a:endParaRPr lang="en-CA" baseline="0" dirty="0"/>
+          </a:p>
+          <a:p>
+            <a:r>
+              <a:rPr lang="en-CA" baseline="0" dirty="0"/>
+              <a:t>With user friendly transportation metrics, our service benefits both the customer and the seller.</a:t>
+            </a:r>
+            <a:endParaRPr lang="en-CA" dirty="0"/>
+          </a:p>
+        </p:txBody>
+      </p:sp>
+      <p:sp>
+        <p:nvSpPr>
+          <p:cNvPr id="4" name="Slide Number Placeholder 3"/>
+          <p:cNvSpPr>
+            <a:spLocks noGrp="1"/>
+          </p:cNvSpPr>
+          <p:nvPr>
+            <p:ph type="sldNum" sz="quarter" idx="10"/>
+          </p:nvPr>
+        </p:nvSpPr>
+        <p:spPr/>
+        <p:txBody>
+          <a:bodyPr/>
+          <a:lstStyle/>
+          <a:p>
+            <a:fld id="{B57EA6AF-4F8D-4876-93B5-2D4903517CDE}" type="slidenum">
+              <a:rPr lang="en-CA" smtClean="0"/>
+              <a:t>7</a:t>
+            </a:fld>
+            <a:endParaRPr lang="en-CA"/>
+          </a:p>
+        </p:txBody>
+      </p:sp>
+    </p:spTree>
+    <p:extLst>
+      <p:ext uri="{BB962C8B-B14F-4D97-AF65-F5344CB8AC3E}">
+        <p14:creationId xmlns:p14="http://schemas.microsoft.com/office/powerpoint/2010/main" val="1983390398"/>
       </p:ext>
     </p:extLst>
   </p:cSld>
@@ -3567,7 +4150,7 @@
           <p:nvPr/>
         </p:nvPicPr>
         <p:blipFill>
-          <a:blip r:embed="rId2">
+          <a:blip r:embed="rId3">
             <a:extLst>
               <a:ext uri="{28A0092B-C50C-407E-A947-70E740481C1C}">
                 <a14:useLocalDpi xmlns:a14="http://schemas.microsoft.com/office/drawing/2010/main" val="0"/>
@@ -3718,7 +4301,7 @@
           <p:nvPr/>
         </p:nvPicPr>
         <p:blipFill>
-          <a:blip r:embed="rId2">
+          <a:blip r:embed="rId3">
             <a:extLst>
               <a:ext uri="{28A0092B-C50C-407E-A947-70E740481C1C}">
                 <a14:useLocalDpi xmlns:a14="http://schemas.microsoft.com/office/drawing/2010/main" val="0"/>
@@ -4114,7 +4697,7 @@
         </p:nvSpPr>
         <p:spPr>
           <a:xfrm>
-            <a:off x="281354" y="3802838"/>
+            <a:off x="266899" y="4957082"/>
             <a:ext cx="8610199" cy="523220"/>
           </a:xfrm>
           <a:prstGeom prst="rect">
@@ -4150,7 +4733,7 @@
         </p:nvSpPr>
         <p:spPr>
           <a:xfrm>
-            <a:off x="266900" y="4695472"/>
+            <a:off x="266900" y="3948448"/>
             <a:ext cx="8610199" cy="523220"/>
           </a:xfrm>
           <a:prstGeom prst="rect">
@@ -4338,7 +4921,7 @@
           <p:nvPr/>
         </p:nvPicPr>
         <p:blipFill>
-          <a:blip r:embed="rId2">
+          <a:blip r:embed="rId3">
             <a:extLst>
               <a:ext uri="{28A0092B-C50C-407E-A947-70E740481C1C}">
                 <a14:useLocalDpi xmlns:a14="http://schemas.microsoft.com/office/drawing/2010/main" val="0"/>
@@ -4705,7 +5288,7 @@
           <p:nvPr/>
         </p:nvPicPr>
         <p:blipFill>
-          <a:blip r:embed="rId2">
+          <a:blip r:embed="rId3">
             <a:extLst>
               <a:ext uri="{28A0092B-C50C-407E-A947-70E740481C1C}">
                 <a14:useLocalDpi xmlns:a14="http://schemas.microsoft.com/office/drawing/2010/main" val="0"/>
@@ -5254,7 +5837,7 @@
           <p:nvPr/>
         </p:nvPicPr>
         <p:blipFill>
-          <a:blip r:embed="rId2">
+          <a:blip r:embed="rId3">
             <a:extLst>
               <a:ext uri="{28A0092B-C50C-407E-A947-70E740481C1C}">
                 <a14:useLocalDpi xmlns:a14="http://schemas.microsoft.com/office/drawing/2010/main" val="0"/>

--- a/HACKBD-presentation.pptx
+++ b/HACKBD-presentation.pptx
@@ -515,6 +515,39 @@
           <a:bodyPr/>
           <a:lstStyle/>
           <a:p>
+            <a:r>
+              <a:rPr lang="en-CA" dirty="0"/>
+              <a:t>Hello Everyone!</a:t>
+            </a:r>
+          </a:p>
+          <a:p>
+            <a:endParaRPr lang="en-CA" dirty="0"/>
+          </a:p>
+          <a:p>
+            <a:r>
+              <a:rPr lang="en-CA" dirty="0"/>
+              <a:t>I</a:t>
+            </a:r>
+            <a:r>
+              <a:rPr lang="en-CA" baseline="0" dirty="0"/>
+              <a:t> am Tim, this is Sheldon, </a:t>
+            </a:r>
+            <a:r>
+              <a:rPr lang="en-CA" baseline="0" dirty="0" err="1"/>
+              <a:t>Delan</a:t>
+            </a:r>
+            <a:r>
+              <a:rPr lang="en-CA" baseline="0" dirty="0"/>
+              <a:t>, </a:t>
+            </a:r>
+            <a:r>
+              <a:rPr lang="en-CA" baseline="0" dirty="0" err="1"/>
+              <a:t>Luli</a:t>
+            </a:r>
+            <a:r>
+              <a:rPr lang="en-CA" baseline="0" dirty="0"/>
+              <a:t>, and Geoff. We are BCIT students, we are the B team, and we are presenting our White Glove Delivery Wizard!</a:t>
+            </a:r>
             <a:endParaRPr lang="en-CA" dirty="0"/>
           </a:p>
         </p:txBody>
@@ -601,7 +634,7 @@
           <a:p>
             <a:r>
               <a:rPr lang="en-CA" dirty="0"/>
-              <a:t>Tim.</a:t>
+              <a:t>So what is White glove?</a:t>
             </a:r>
           </a:p>
           <a:p>
@@ -610,20 +643,11 @@
           <a:p>
             <a:r>
               <a:rPr lang="en-CA" dirty="0"/>
-              <a:t>So what is White glove?</a:t>
-            </a:r>
-          </a:p>
-          <a:p>
-            <a:endParaRPr lang="en-CA" dirty="0"/>
-          </a:p>
-          <a:p>
-            <a:r>
-              <a:rPr lang="en-CA" dirty="0"/>
-              <a:t>White glove is one of Build Directs premier services. Typically customer orders are dropped off at the curb. With white glove service,</a:t>
+              <a:t>White glove is a premier delivery services,</a:t>
             </a:r>
             <a:r>
               <a:rPr lang="en-CA" baseline="0" dirty="0"/>
-              <a:t> the intention is that your shipment will be delivered to EXACTLY where you want it o be.</a:t>
+              <a:t> it allows customers to have their shipment delivered anywhere they specify.</a:t>
             </a:r>
           </a:p>
           <a:p>
@@ -632,7 +656,7 @@
           <a:p>
             <a:r>
               <a:rPr lang="en-CA" baseline="0" dirty="0"/>
-              <a:t>However, not enough customers understand, or are taking advantage of this service.</a:t>
+              <a:t>It is a service customers rarely utilize, or understand. </a:t>
             </a:r>
           </a:p>
           <a:p>
@@ -641,7 +665,7 @@
           <a:p>
             <a:r>
               <a:rPr lang="en-CA" baseline="0" dirty="0"/>
-              <a:t>Furthermore, the way the system is currently structured, the customer has to call Build Direct for a shipping quote prior to placing their order.</a:t>
+              <a:t>It requires, prior to placing their order, the customer must call Build Direct for a shipping quote. </a:t>
             </a:r>
             <a:endParaRPr lang="en-CA" dirty="0"/>
           </a:p>
@@ -777,7 +801,7 @@
           <a:p>
             <a:r>
               <a:rPr lang="en-CA" baseline="0" dirty="0"/>
-              <a:t>This can anger customers, and result in a lot of post-delivery problems for Build Direct.</a:t>
+              <a:t>This can anger customers, and result in costly post-delivery problems for Build Direct.</a:t>
             </a:r>
           </a:p>
         </p:txBody>
@@ -4116,8 +4140,8 @@
         </p:nvSpPr>
         <p:spPr>
           <a:xfrm>
-            <a:off x="-344384" y="6180355"/>
-            <a:ext cx="9084623" cy="442836"/>
+            <a:off x="-385255" y="3010872"/>
+            <a:ext cx="5742293" cy="2270126"/>
           </a:xfrm>
         </p:spPr>
         <p:txBody>
@@ -4171,6 +4195,71 @@
           </a:prstGeom>
         </p:spPr>
       </p:pic>
+      <p:sp>
+        <p:nvSpPr>
+          <p:cNvPr id="4" name="TextBox 3"/>
+          <p:cNvSpPr txBox="1"/>
+          <p:nvPr/>
+        </p:nvSpPr>
+        <p:spPr>
+          <a:xfrm>
+            <a:off x="4572000" y="6381169"/>
+            <a:ext cx="7863377" cy="461665"/>
+          </a:xfrm>
+          <a:prstGeom prst="rect">
+            <a:avLst/>
+          </a:prstGeom>
+          <a:noFill/>
+        </p:spPr>
+        <p:txBody>
+          <a:bodyPr wrap="square" rtlCol="0">
+            <a:spAutoFit/>
+          </a:bodyPr>
+          <a:lstStyle/>
+          <a:p>
+            <a:r>
+              <a:rPr lang="en-CA" sz="2400" dirty="0">
+                <a:solidFill>
+                  <a:schemeClr val="bg1"/>
+                </a:solidFill>
+              </a:rPr>
+              <a:t>By Sheldon, </a:t>
+            </a:r>
+            <a:r>
+              <a:rPr lang="en-CA" sz="2400" dirty="0" err="1">
+                <a:solidFill>
+                  <a:schemeClr val="bg1"/>
+                </a:solidFill>
+              </a:rPr>
+              <a:t>Delan</a:t>
+            </a:r>
+            <a:r>
+              <a:rPr lang="en-CA" sz="2400" dirty="0">
+                <a:solidFill>
+                  <a:schemeClr val="bg1"/>
+                </a:solidFill>
+              </a:rPr>
+              <a:t>, </a:t>
+            </a:r>
+            <a:r>
+              <a:rPr lang="en-CA" sz="2400" dirty="0" err="1">
+                <a:solidFill>
+                  <a:schemeClr val="bg1"/>
+                </a:solidFill>
+              </a:rPr>
+              <a:t>Luli</a:t>
+            </a:r>
+            <a:r>
+              <a:rPr lang="en-CA" sz="2400" dirty="0">
+                <a:solidFill>
+                  <a:schemeClr val="bg1"/>
+                </a:solidFill>
+              </a:rPr>
+              <a:t>, Geoff, Tim</a:t>
+            </a:r>
+          </a:p>
+        </p:txBody>
+      </p:sp>
     </p:spTree>
     <p:extLst>
       <p:ext uri="{BB962C8B-B14F-4D97-AF65-F5344CB8AC3E}">

--- a/HACKBD-presentation.pptx
+++ b/HACKBD-presentation.pptx
@@ -4140,7 +4140,7 @@
         </p:nvSpPr>
         <p:spPr>
           <a:xfrm>
-            <a:off x="-385255" y="3010872"/>
+            <a:off x="-273517" y="3010872"/>
             <a:ext cx="5742293" cy="2270126"/>
           </a:xfrm>
         </p:spPr>
@@ -4152,7 +4152,7 @@
           <a:p>
             <a:pPr algn="r"/>
             <a:r>
-              <a:rPr lang="en-US" sz="2500" i="1" dirty="0">
+              <a:rPr lang="en-US" sz="2400" i="1" dirty="0">
                 <a:solidFill>
                   <a:srgbClr val="F4B019"/>
                 </a:solidFill>
@@ -4203,7 +4203,7 @@
         </p:nvSpPr>
         <p:spPr>
           <a:xfrm>
-            <a:off x="4572000" y="6381169"/>
+            <a:off x="3834580" y="6150336"/>
             <a:ext cx="7863377" cy="461665"/>
           </a:xfrm>
           <a:prstGeom prst="rect">
@@ -4222,6 +4222,7 @@
                 <a:solidFill>
                   <a:schemeClr val="bg1"/>
                 </a:solidFill>
+                <a:latin typeface="Avenir Light"/>
               </a:rPr>
               <a:t>By Sheldon, </a:t>
             </a:r>
@@ -4230,6 +4231,7 @@
                 <a:solidFill>
                   <a:schemeClr val="bg1"/>
                 </a:solidFill>
+                <a:latin typeface="Avenir Light"/>
               </a:rPr>
               <a:t>Delan</a:t>
             </a:r>
@@ -4238,6 +4240,7 @@
                 <a:solidFill>
                   <a:schemeClr val="bg1"/>
                 </a:solidFill>
+                <a:latin typeface="Avenir Light"/>
               </a:rPr>
               <a:t>, </a:t>
             </a:r>
@@ -4246,6 +4249,7 @@
                 <a:solidFill>
                   <a:schemeClr val="bg1"/>
                 </a:solidFill>
+                <a:latin typeface="Avenir Light"/>
               </a:rPr>
               <a:t>Luli</a:t>
             </a:r>
@@ -4254,6 +4258,7 @@
                 <a:solidFill>
                   <a:schemeClr val="bg1"/>
                 </a:solidFill>
+                <a:latin typeface="Avenir Light"/>
               </a:rPr>
               <a:t>, Geoff, Tim</a:t>
             </a:r>
